--- a/종합설계 제안서.pptx
+++ b/종합설계 제안서.pptx
@@ -134,6 +134,18 @@
 </p:presentation>
 </file>
 
+<file path=ppt/commentAuthors.xml><?xml version="1.0" encoding="utf-8"?>
+<p:cmAuthorLst xmlns:a="http://schemas.openxmlformats.org/drawingml/2006/main" xmlns:r="http://schemas.openxmlformats.org/officeDocument/2006/relationships" xmlns:p="http://schemas.openxmlformats.org/presentationml/2006/main">
+  <p:cmAuthor id="1" name="DONGYOUN SHIN" initials="DS" lastIdx="2" clrIdx="0">
+    <p:extLst>
+      <p:ext uri="{19B8F6BF-5375-455C-9EA6-DF929625EA0E}">
+        <p15:presenceInfo xmlns:p15="http://schemas.microsoft.com/office/powerpoint/2012/main" userId="8cbf48e9c28527ac" providerId="Windows Live"/>
+      </p:ext>
+    </p:extLst>
+  </p:cmAuthor>
+</p:cmAuthorLst>
+</file>
+
 <file path=ppt/revisionInfo.xml><?xml version="1.0" encoding="utf-8"?>
 <p1510:revInfo xmlns:a="http://schemas.openxmlformats.org/drawingml/2006/main" xmlns:r="http://schemas.openxmlformats.org/officeDocument/2006/relationships" xmlns:p1510="http://schemas.microsoft.com/office/powerpoint/2015/10/main"/>
 </file>
@@ -220,7 +232,7 @@
           <a:p>
             <a:fld id="{EFA110B7-BF82-4176-94AC-54B2B27810B2}" type="datetimeFigureOut">
               <a:rPr lang="ko-KR" altLang="en-US" smtClean="0"/>
-              <a:t>2018-01-19</a:t>
+              <a:t>2018-01-22</a:t>
             </a:fld>
             <a:endParaRPr lang="ko-KR" altLang="en-US"/>
           </a:p>
@@ -386,7 +398,7 @@
           <a:p>
             <a:fld id="{53D941FC-97DF-48E3-A649-D50B6EE0B698}" type="datetimeFigureOut">
               <a:rPr lang="ko-KR" altLang="en-US" smtClean="0"/>
-              <a:t>2018-01-19</a:t>
+              <a:t>2018-01-22</a:t>
             </a:fld>
             <a:endParaRPr lang="ko-KR" altLang="en-US"/>
           </a:p>
@@ -2080,9 +2092,9 @@
             </a:lvl1pPr>
           </a:lstStyle>
           <a:p>
-            <a:fld id="{8068950D-7AFF-466D-A3ED-EE4F8FC89C00}" type="datetime1">
+            <a:fld id="{FCD7EBE8-5558-4A7D-ACE5-A8E7DFB401C1}" type="datetime1">
               <a:rPr lang="en-US" altLang="ko-KR" smtClean="0"/>
-              <a:t>1/19/2018</a:t>
+              <a:t>1/22/2018</a:t>
             </a:fld>
             <a:endParaRPr lang="en-US" dirty="0"/>
           </a:p>
@@ -2343,9 +2355,9 @@
           <a:bodyPr/>
           <a:lstStyle/>
           <a:p>
-            <a:fld id="{DA12BE41-5019-4D9D-A048-3790FDAD0937}" type="datetime1">
+            <a:fld id="{C4B7CD2C-CABA-4346-A4A6-88410D267D13}" type="datetime1">
               <a:rPr lang="en-US" altLang="ko-KR" smtClean="0"/>
-              <a:t>1/19/2018</a:t>
+              <a:t>1/22/2018</a:t>
             </a:fld>
             <a:endParaRPr lang="en-US" dirty="0"/>
           </a:p>
@@ -2579,9 +2591,9 @@
             </a:lvl1pPr>
           </a:lstStyle>
           <a:p>
-            <a:fld id="{DF4E4BB7-3188-4EFF-A8C7-1344A3B67FF0}" type="datetime1">
+            <a:fld id="{D7646DE3-16DA-4737-8B40-57E1C3D5DF25}" type="datetime1">
               <a:rPr lang="en-US" altLang="ko-KR" smtClean="0"/>
-              <a:t>1/19/2018</a:t>
+              <a:t>1/22/2018</a:t>
             </a:fld>
             <a:endParaRPr lang="en-US" dirty="0"/>
           </a:p>
@@ -2820,9 +2832,9 @@
           <a:bodyPr/>
           <a:lstStyle/>
           <a:p>
-            <a:fld id="{9B468E26-67CB-4E80-B77D-0DA70464310F}" type="datetime1">
+            <a:fld id="{700430B1-F828-446B-BFF1-70AF31DE7726}" type="datetime1">
               <a:rPr lang="en-US" altLang="ko-KR" smtClean="0"/>
-              <a:t>1/19/2018</a:t>
+              <a:t>1/22/2018</a:t>
             </a:fld>
             <a:endParaRPr lang="en-US" dirty="0"/>
           </a:p>
@@ -3128,9 +3140,9 @@
             </a:lvl1pPr>
           </a:lstStyle>
           <a:p>
-            <a:fld id="{920A21AD-E798-469B-977B-885F80BFA1A0}" type="datetime1">
+            <a:fld id="{744C3790-1435-473A-BB60-354DDE809763}" type="datetime1">
               <a:rPr lang="en-US" altLang="ko-KR" smtClean="0"/>
-              <a:t>1/19/2018</a:t>
+              <a:t>1/22/2018</a:t>
             </a:fld>
             <a:endParaRPr lang="en-US" dirty="0"/>
           </a:p>
@@ -3431,9 +3443,9 @@
           <a:bodyPr/>
           <a:lstStyle/>
           <a:p>
-            <a:fld id="{1417F992-C3B1-4E1C-9E6E-EE9AE92492CF}" type="datetime1">
+            <a:fld id="{AF0F5311-28BD-4131-BD8B-AE6CFFA9BD2F}" type="datetime1">
               <a:rPr lang="en-US" altLang="ko-KR" smtClean="0"/>
-              <a:t>1/19/2018</a:t>
+              <a:t>1/22/2018</a:t>
             </a:fld>
             <a:endParaRPr lang="en-US" dirty="0"/>
           </a:p>
@@ -3854,9 +3866,9 @@
           <a:bodyPr/>
           <a:lstStyle/>
           <a:p>
-            <a:fld id="{710CC16B-8C08-4797-BC90-442859BA1811}" type="datetime1">
+            <a:fld id="{5DBF5CDD-8143-4857-9FE3-ECE04DC79D8D}" type="datetime1">
               <a:rPr lang="en-US" altLang="ko-KR" smtClean="0"/>
-              <a:t>1/19/2018</a:t>
+              <a:t>1/22/2018</a:t>
             </a:fld>
             <a:endParaRPr lang="en-US" dirty="0"/>
           </a:p>
@@ -3950,9 +3962,9 @@
           <a:bodyPr/>
           <a:lstStyle/>
           <a:p>
-            <a:fld id="{4859FA22-31DA-4484-9D61-2C2436AF65D3}" type="datetime1">
+            <a:fld id="{7847C9C3-F928-4368-82FD-3D2F195B5B54}" type="datetime1">
               <a:rPr lang="en-US" altLang="ko-KR" smtClean="0"/>
-              <a:t>1/19/2018</a:t>
+              <a:t>1/22/2018</a:t>
             </a:fld>
             <a:endParaRPr lang="en-US" dirty="0"/>
           </a:p>
@@ -4113,9 +4125,9 @@
           <a:bodyPr/>
           <a:lstStyle/>
           <a:p>
-            <a:fld id="{9A650C5A-F0A3-48ED-A168-A9B5EA62B9DC}" type="datetime1">
+            <a:fld id="{0115385B-96D5-4EB4-A65D-9C172E3FDEEC}" type="datetime1">
               <a:rPr lang="en-US" altLang="ko-KR" smtClean="0"/>
-              <a:t>1/19/2018</a:t>
+              <a:t>1/22/2018</a:t>
             </a:fld>
             <a:endParaRPr lang="en-US" dirty="0"/>
           </a:p>
@@ -4492,9 +4504,9 @@
             </a:lvl1pPr>
           </a:lstStyle>
           <a:p>
-            <a:fld id="{ED5A689E-B613-42EA-BAE9-218450E4D3C3}" type="datetime1">
+            <a:fld id="{377B16DC-169A-4498-B8B5-D7A76758A099}" type="datetime1">
               <a:rPr lang="en-US" altLang="ko-KR" smtClean="0"/>
-              <a:t>1/19/2018</a:t>
+              <a:t>1/22/2018</a:t>
             </a:fld>
             <a:endParaRPr lang="en-US" dirty="0"/>
           </a:p>
@@ -4782,9 +4794,9 @@
           <a:bodyPr/>
           <a:lstStyle/>
           <a:p>
-            <a:fld id="{A26A2F60-7B9A-46CC-B7B1-6F3BEC9BE775}" type="datetime1">
+            <a:fld id="{89B359A3-C19C-4C25-8ABB-2F1328B56ECB}" type="datetime1">
               <a:rPr lang="en-US" altLang="ko-KR" smtClean="0"/>
-              <a:t>1/19/2018</a:t>
+              <a:t>1/22/2018</a:t>
             </a:fld>
             <a:endParaRPr lang="en-US" dirty="0"/>
           </a:p>
@@ -4994,9 +5006,9 @@
             </a:lvl1pPr>
           </a:lstStyle>
           <a:p>
-            <a:fld id="{A8D96FE8-FEDD-4FF8-84A5-87C9C5EC43DB}" type="datetime1">
+            <a:fld id="{007E1B10-6F01-46F7-A19C-7CF5B0A7D353}" type="datetime1">
               <a:rPr lang="en-US" altLang="ko-KR" smtClean="0"/>
-              <a:t>1/19/2018</a:t>
+              <a:t>1/22/2018</a:t>
             </a:fld>
             <a:endParaRPr lang="en-US" dirty="0"/>
           </a:p>
@@ -6884,12 +6896,11 @@
                 </a:solidFill>
                 <a:latin typeface="맑은 고딕" panose="020B0503020000020004" pitchFamily="50" charset="-127"/>
                 <a:ea typeface="맑은 고딕" panose="020B0503020000020004" pitchFamily="50" charset="-127"/>
-                <a:sym typeface="Wingdings" panose="05000000000000000000" pitchFamily="2" charset="2"/>
-              </a:rPr>
-              <a:t>    	   </a:t>
-            </a:r>
-            <a:r>
-              <a:rPr lang="ko-KR" altLang="en-US" sz="1800" dirty="0">
+              </a:rPr>
+              <a:t>	 </a:t>
+            </a:r>
+            <a:r>
+              <a:rPr lang="en-US" altLang="ko-KR" sz="1800" dirty="0">
                 <a:solidFill>
                   <a:schemeClr val="tx1">
                     <a:lumMod val="75000"/>
@@ -6900,21 +6911,24 @@
                 <a:ea typeface="맑은 고딕" panose="020B0503020000020004" pitchFamily="50" charset="-127"/>
                 <a:sym typeface="Wingdings" panose="05000000000000000000" pitchFamily="2" charset="2"/>
               </a:rPr>
-              <a:t>차량 다양한 </a:t>
+              <a:t>  </a:t>
             </a:r>
             <a:r>
               <a:rPr lang="ko-KR" altLang="en-US" sz="1800" dirty="0">
                 <a:solidFill>
-                  <a:srgbClr val="FF0000"/>
+                  <a:schemeClr val="tx1">
+                    <a:lumMod val="75000"/>
+                    <a:lumOff val="25000"/>
+                  </a:schemeClr>
                 </a:solidFill>
                 <a:latin typeface="맑은 고딕" panose="020B0503020000020004" pitchFamily="50" charset="-127"/>
                 <a:ea typeface="맑은 고딕" panose="020B0503020000020004" pitchFamily="50" charset="-127"/>
                 <a:sym typeface="Wingdings" panose="05000000000000000000" pitchFamily="2" charset="2"/>
               </a:rPr>
-              <a:t>이상증세 알림</a:t>
-            </a:r>
-            <a:r>
-              <a:rPr lang="en-US" altLang="ko-KR" sz="1800" dirty="0">
+              <a:t>운전습관 </a:t>
+            </a:r>
+            <a:r>
+              <a:rPr lang="ko-KR" altLang="en-US" sz="1800" dirty="0">
                 <a:solidFill>
                   <a:srgbClr val="FF0000"/>
                 </a:solidFill>
@@ -6922,63 +6936,42 @@
                 <a:ea typeface="맑은 고딕" panose="020B0503020000020004" pitchFamily="50" charset="-127"/>
                 <a:sym typeface="Wingdings" panose="05000000000000000000" pitchFamily="2" charset="2"/>
               </a:rPr>
-              <a:t>  </a:t>
-            </a:r>
-            <a:r>
-              <a:rPr lang="en-US" altLang="ko-KR" sz="1800" dirty="0">
+              <a:t>분석 결과를 </a:t>
+            </a:r>
+            <a:r>
+              <a:rPr lang="ko-KR" altLang="en-US" sz="1800" dirty="0">
+                <a:solidFill>
+                  <a:schemeClr val="tx1">
+                    <a:lumMod val="75000"/>
+                    <a:lumOff val="25000"/>
+                  </a:schemeClr>
+                </a:solidFill>
                 <a:latin typeface="맑은 고딕" panose="020B0503020000020004" pitchFamily="50" charset="-127"/>
                 <a:ea typeface="맑은 고딕" panose="020B0503020000020004" pitchFamily="50" charset="-127"/>
                 <a:sym typeface="Wingdings" panose="05000000000000000000" pitchFamily="2" charset="2"/>
               </a:rPr>
-              <a:t>(</a:t>
+              <a:t>바탕으로 </a:t>
             </a:r>
             <a:r>
               <a:rPr lang="ko-KR" altLang="en-US" sz="1800" dirty="0">
+                <a:solidFill>
+                  <a:srgbClr val="FF0000"/>
+                </a:solidFill>
                 <a:latin typeface="맑은 고딕" panose="020B0503020000020004" pitchFamily="50" charset="-127"/>
                 <a:ea typeface="맑은 고딕" panose="020B0503020000020004" pitchFamily="50" charset="-127"/>
                 <a:sym typeface="Wingdings" panose="05000000000000000000" pitchFamily="2" charset="2"/>
               </a:rPr>
-              <a:t>타이어 공기압</a:t>
+              <a:t>연비순위 비교</a:t>
             </a:r>
             <a:r>
               <a:rPr lang="en-US" altLang="ko-KR" sz="1800" dirty="0">
+                <a:solidFill>
+                  <a:srgbClr val="FF0000"/>
+                </a:solidFill>
                 <a:latin typeface="맑은 고딕" panose="020B0503020000020004" pitchFamily="50" charset="-127"/>
                 <a:ea typeface="맑은 고딕" panose="020B0503020000020004" pitchFamily="50" charset="-127"/>
-                <a:sym typeface="Wingdings" panose="05000000000000000000" pitchFamily="2" charset="2"/>
-              </a:rPr>
-              <a:t>, </a:t>
-            </a:r>
-            <a:r>
-              <a:rPr lang="ko-KR" altLang="en-US" sz="1800" dirty="0">
-                <a:latin typeface="맑은 고딕" panose="020B0503020000020004" pitchFamily="50" charset="-127"/>
-                <a:ea typeface="맑은 고딕" panose="020B0503020000020004" pitchFamily="50" charset="-127"/>
-                <a:sym typeface="Wingdings" panose="05000000000000000000" pitchFamily="2" charset="2"/>
-              </a:rPr>
-              <a:t>서스펜션</a:t>
-            </a:r>
-            <a:r>
-              <a:rPr lang="en-US" altLang="ko-KR" sz="1800" dirty="0">
-                <a:latin typeface="맑은 고딕" panose="020B0503020000020004" pitchFamily="50" charset="-127"/>
-                <a:ea typeface="맑은 고딕" panose="020B0503020000020004" pitchFamily="50" charset="-127"/>
-                <a:sym typeface="Wingdings" panose="05000000000000000000" pitchFamily="2" charset="2"/>
-              </a:rPr>
-              <a:t>, </a:t>
-            </a:r>
-            <a:r>
-              <a:rPr lang="ko-KR" altLang="en-US" sz="1800" dirty="0">
-                <a:latin typeface="맑은 고딕" panose="020B0503020000020004" pitchFamily="50" charset="-127"/>
-                <a:ea typeface="맑은 고딕" panose="020B0503020000020004" pitchFamily="50" charset="-127"/>
-                <a:sym typeface="Wingdings" panose="05000000000000000000" pitchFamily="2" charset="2"/>
-              </a:rPr>
-              <a:t>흡기 공기 온도 센서</a:t>
-            </a:r>
-            <a:r>
-              <a:rPr lang="en-US" altLang="ko-KR" sz="1800" dirty="0">
-                <a:latin typeface="맑은 고딕" panose="020B0503020000020004" pitchFamily="50" charset="-127"/>
-                <a:ea typeface="맑은 고딕" panose="020B0503020000020004" pitchFamily="50" charset="-127"/>
-                <a:sym typeface="Wingdings" panose="05000000000000000000" pitchFamily="2" charset="2"/>
-              </a:rPr>
-              <a:t>)</a:t>
+              </a:rPr>
+              <a:t> </a:t>
             </a:r>
           </a:p>
           <a:p>
@@ -6988,6 +6981,112 @@
               </a:lnSpc>
               <a:buNone/>
             </a:pPr>
+            <a:r>
+              <a:rPr lang="en-US" altLang="ko-KR" sz="1800" dirty="0">
+                <a:solidFill>
+                  <a:schemeClr val="tx1">
+                    <a:lumMod val="75000"/>
+                    <a:lumOff val="25000"/>
+                  </a:schemeClr>
+                </a:solidFill>
+                <a:latin typeface="맑은 고딕" panose="020B0503020000020004" pitchFamily="50" charset="-127"/>
+                <a:ea typeface="맑은 고딕" panose="020B0503020000020004" pitchFamily="50" charset="-127"/>
+                <a:sym typeface="Wingdings" panose="05000000000000000000" pitchFamily="2" charset="2"/>
+              </a:rPr>
+              <a:t>    	   </a:t>
+            </a:r>
+            <a:r>
+              <a:rPr lang="ko-KR" altLang="en-US" sz="1800" dirty="0">
+                <a:solidFill>
+                  <a:schemeClr val="tx1">
+                    <a:lumMod val="75000"/>
+                    <a:lumOff val="25000"/>
+                  </a:schemeClr>
+                </a:solidFill>
+                <a:latin typeface="맑은 고딕" panose="020B0503020000020004" pitchFamily="50" charset="-127"/>
+                <a:ea typeface="맑은 고딕" panose="020B0503020000020004" pitchFamily="50" charset="-127"/>
+                <a:sym typeface="Wingdings" panose="05000000000000000000" pitchFamily="2" charset="2"/>
+              </a:rPr>
+              <a:t>차량 다양한 </a:t>
+            </a:r>
+            <a:r>
+              <a:rPr lang="ko-KR" altLang="en-US" sz="1800" dirty="0">
+                <a:solidFill>
+                  <a:srgbClr val="FF0000"/>
+                </a:solidFill>
+                <a:latin typeface="맑은 고딕" panose="020B0503020000020004" pitchFamily="50" charset="-127"/>
+                <a:ea typeface="맑은 고딕" panose="020B0503020000020004" pitchFamily="50" charset="-127"/>
+                <a:sym typeface="Wingdings" panose="05000000000000000000" pitchFamily="2" charset="2"/>
+              </a:rPr>
+              <a:t>이상증세 알림</a:t>
+            </a:r>
+            <a:r>
+              <a:rPr lang="en-US" altLang="ko-KR" sz="1800" dirty="0">
+                <a:solidFill>
+                  <a:srgbClr val="FF0000"/>
+                </a:solidFill>
+                <a:latin typeface="맑은 고딕" panose="020B0503020000020004" pitchFamily="50" charset="-127"/>
+                <a:ea typeface="맑은 고딕" panose="020B0503020000020004" pitchFamily="50" charset="-127"/>
+                <a:sym typeface="Wingdings" panose="05000000000000000000" pitchFamily="2" charset="2"/>
+              </a:rPr>
+              <a:t>  </a:t>
+            </a:r>
+            <a:r>
+              <a:rPr lang="en-US" altLang="ko-KR" sz="1800" dirty="0">
+                <a:latin typeface="맑은 고딕" panose="020B0503020000020004" pitchFamily="50" charset="-127"/>
+                <a:ea typeface="맑은 고딕" panose="020B0503020000020004" pitchFamily="50" charset="-127"/>
+                <a:sym typeface="Wingdings" panose="05000000000000000000" pitchFamily="2" charset="2"/>
+              </a:rPr>
+              <a:t>(</a:t>
+            </a:r>
+            <a:r>
+              <a:rPr lang="ko-KR" altLang="en-US" sz="1800" dirty="0">
+                <a:latin typeface="맑은 고딕" panose="020B0503020000020004" pitchFamily="50" charset="-127"/>
+                <a:ea typeface="맑은 고딕" panose="020B0503020000020004" pitchFamily="50" charset="-127"/>
+                <a:sym typeface="Wingdings" panose="05000000000000000000" pitchFamily="2" charset="2"/>
+              </a:rPr>
+              <a:t>타이어 공기압</a:t>
+            </a:r>
+            <a:r>
+              <a:rPr lang="en-US" altLang="ko-KR" sz="1800" dirty="0">
+                <a:latin typeface="맑은 고딕" panose="020B0503020000020004" pitchFamily="50" charset="-127"/>
+                <a:ea typeface="맑은 고딕" panose="020B0503020000020004" pitchFamily="50" charset="-127"/>
+                <a:sym typeface="Wingdings" panose="05000000000000000000" pitchFamily="2" charset="2"/>
+              </a:rPr>
+              <a:t>, </a:t>
+            </a:r>
+            <a:r>
+              <a:rPr lang="ko-KR" altLang="en-US" sz="1800" dirty="0">
+                <a:latin typeface="맑은 고딕" panose="020B0503020000020004" pitchFamily="50" charset="-127"/>
+                <a:ea typeface="맑은 고딕" panose="020B0503020000020004" pitchFamily="50" charset="-127"/>
+                <a:sym typeface="Wingdings" panose="05000000000000000000" pitchFamily="2" charset="2"/>
+              </a:rPr>
+              <a:t>서스펜션</a:t>
+            </a:r>
+            <a:r>
+              <a:rPr lang="en-US" altLang="ko-KR" sz="1800" dirty="0">
+                <a:latin typeface="맑은 고딕" panose="020B0503020000020004" pitchFamily="50" charset="-127"/>
+                <a:ea typeface="맑은 고딕" panose="020B0503020000020004" pitchFamily="50" charset="-127"/>
+                <a:sym typeface="Wingdings" panose="05000000000000000000" pitchFamily="2" charset="2"/>
+              </a:rPr>
+              <a:t>, </a:t>
+            </a:r>
+            <a:r>
+              <a:rPr lang="ko-KR" altLang="en-US" sz="1800" dirty="0">
+                <a:latin typeface="맑은 고딕" panose="020B0503020000020004" pitchFamily="50" charset="-127"/>
+                <a:ea typeface="맑은 고딕" panose="020B0503020000020004" pitchFamily="50" charset="-127"/>
+                <a:sym typeface="Wingdings" panose="05000000000000000000" pitchFamily="2" charset="2"/>
+              </a:rPr>
+              <a:t>흡기 온도 센서</a:t>
+            </a:r>
+            <a:r>
+              <a:rPr lang="en-US" altLang="ko-KR" sz="1800" dirty="0">
+                <a:latin typeface="맑은 고딕" panose="020B0503020000020004" pitchFamily="50" charset="-127"/>
+                <a:ea typeface="맑은 고딕" panose="020B0503020000020004" pitchFamily="50" charset="-127"/>
+                <a:sym typeface="Wingdings" panose="05000000000000000000" pitchFamily="2" charset="2"/>
+              </a:rPr>
+              <a:t>)</a:t>
+            </a:r>
             <a:endParaRPr lang="en-US" altLang="ko-KR" sz="500" dirty="0">
               <a:solidFill>
                 <a:schemeClr val="tx1">
@@ -7051,7 +7150,7 @@
                 <a:latin typeface="맑은 고딕" panose="020B0503020000020004" pitchFamily="50" charset="-127"/>
                 <a:ea typeface="맑은 고딕" panose="020B0503020000020004" pitchFamily="50" charset="-127"/>
               </a:rPr>
-              <a:t>차량에 대한 지식이 부족한 사람들에게 편리한 툴 제공</a:t>
+              <a:t>차량에 대한 지식이 부족한 사람들에게 차량의 정보 제공</a:t>
             </a:r>
             <a:endParaRPr lang="en-US" altLang="ko-KR" sz="1600" b="1" dirty="0">
               <a:solidFill>
@@ -7268,7 +7367,7 @@
                                         <p:tgtEl>
                                           <p:spTgt spid="7">
                                             <p:txEl>
-                                              <p:pRg st="4" end="4"/>
+                                              <p:pRg st="3" end="3"/>
                                             </p:txEl>
                                           </p:spTgt>
                                         </p:tgtEl>
@@ -7299,7 +7398,7 @@
                                         <p:tgtEl>
                                           <p:spTgt spid="7">
                                             <p:txEl>
-                                              <p:pRg st="5" end="5"/>
+                                              <p:pRg st="4" end="4"/>
                                             </p:txEl>
                                           </p:spTgt>
                                         </p:tgtEl>
@@ -7330,7 +7429,7 @@
                                         <p:tgtEl>
                                           <p:spTgt spid="7">
                                             <p:txEl>
-                                              <p:pRg st="6" end="6"/>
+                                              <p:pRg st="5" end="5"/>
                                             </p:txEl>
                                           </p:spTgt>
                                         </p:tgtEl>
@@ -7354,6 +7453,37 @@
                                     <p:set>
                                       <p:cBhvr>
                                         <p:cTn id="18" dur="1" fill="hold">
+                                          <p:stCondLst>
+                                            <p:cond delay="0"/>
+                                          </p:stCondLst>
+                                        </p:cTn>
+                                        <p:tgtEl>
+                                          <p:spTgt spid="7">
+                                            <p:txEl>
+                                              <p:pRg st="6" end="6"/>
+                                            </p:txEl>
+                                          </p:spTgt>
+                                        </p:tgtEl>
+                                        <p:attrNameLst>
+                                          <p:attrName>style.visibility</p:attrName>
+                                        </p:attrNameLst>
+                                      </p:cBhvr>
+                                      <p:to>
+                                        <p:strVal val="visible"/>
+                                      </p:to>
+                                    </p:set>
+                                  </p:childTnLst>
+                                </p:cTn>
+                              </p:par>
+                              <p:par>
+                                <p:cTn id="19" presetID="1" presetClass="entr" presetSubtype="0" fill="hold" nodeType="withEffect">
+                                  <p:stCondLst>
+                                    <p:cond delay="0"/>
+                                  </p:stCondLst>
+                                  <p:childTnLst>
+                                    <p:set>
+                                      <p:cBhvr>
+                                        <p:cTn id="20" dur="1" fill="hold">
                                           <p:stCondLst>
                                             <p:cond delay="0"/>
                                           </p:stCondLst>
@@ -7804,14 +7934,14 @@
           <p:nvPr>
             <p:extLst>
               <p:ext uri="{D42A27DB-BD31-4B8C-83A1-F6EECF244321}">
-                <p14:modId xmlns:p14="http://schemas.microsoft.com/office/powerpoint/2010/main" val="2693202440"/>
+                <p14:modId xmlns:p14="http://schemas.microsoft.com/office/powerpoint/2010/main" val="2366844505"/>
               </p:ext>
             </p:extLst>
           </p:nvPr>
         </p:nvGraphicFramePr>
         <p:xfrm>
-          <a:off x="581193" y="2096107"/>
-          <a:ext cx="11029617" cy="4401391"/>
+          <a:off x="581193" y="1943708"/>
+          <a:ext cx="11029617" cy="4767514"/>
         </p:xfrm>
         <a:graphic>
           <a:graphicData uri="http://schemas.openxmlformats.org/drawingml/2006/table">
@@ -10305,7 +10435,7 @@
                         <a:t>유선 </a:t>
                       </a:r>
                       <a:r>
-                        <a:rPr lang="en-US" altLang="ko-KR" sz="1600" kern="0" spc="0" dirty="0" err="1">
+                        <a:rPr lang="en-US" altLang="ko-KR" sz="1600" kern="0" spc="0" dirty="0">
                           <a:solidFill>
                             <a:srgbClr val="000000"/>
                           </a:solidFill>
@@ -10313,7 +10443,7 @@
                           <a:latin typeface="맑은 고딕" panose="020B0503020000020004" pitchFamily="50" charset="-127"/>
                           <a:ea typeface="맑은 고딕" panose="020B0503020000020004" pitchFamily="50" charset="-127"/>
                         </a:rPr>
-                        <a:t>lan</a:t>
+                        <a:t>LAN</a:t>
                       </a:r>
                       <a:endParaRPr lang="ko-KR" altLang="en-US" sz="1600" kern="0" spc="0" dirty="0">
                         <a:solidFill>
@@ -11033,144 +11163,6 @@
           </a:p>
         </p:txBody>
       </p:sp>
-      <p:pic>
-        <p:nvPicPr>
-          <p:cNvPr id="6" name="내용 개체 틀 5">
-            <a:extLst>
-              <a:ext uri="{FF2B5EF4-FFF2-40B4-BE49-F238E27FC236}">
-                <a16:creationId xmlns:a16="http://schemas.microsoft.com/office/drawing/2014/main" id="{9BDAA295-1E22-4BBD-B10F-A7A7ACF6A6D1}"/>
-              </a:ext>
-            </a:extLst>
-          </p:cNvPr>
-          <p:cNvPicPr>
-            <a:picLocks noGrp="1" noChangeAspect="1"/>
-          </p:cNvPicPr>
-          <p:nvPr>
-            <p:ph sz="half" idx="1"/>
-          </p:nvPr>
-        </p:nvPicPr>
-        <p:blipFill>
-          <a:blip r:embed="rId2"/>
-          <a:stretch>
-            <a:fillRect/>
-          </a:stretch>
-        </p:blipFill>
-        <p:spPr>
-          <a:xfrm>
-            <a:off x="909431" y="2227263"/>
-            <a:ext cx="4766088" cy="3633787"/>
-          </a:xfrm>
-          <a:prstGeom prst="rect">
-            <a:avLst/>
-          </a:prstGeom>
-        </p:spPr>
-      </p:pic>
-      <p:sp>
-        <p:nvSpPr>
-          <p:cNvPr id="4" name="내용 개체 틀 3">
-            <a:extLst>
-              <a:ext uri="{FF2B5EF4-FFF2-40B4-BE49-F238E27FC236}">
-                <a16:creationId xmlns:a16="http://schemas.microsoft.com/office/drawing/2014/main" id="{496E4304-799C-4D08-8931-CCE39BFDDC96}"/>
-              </a:ext>
-            </a:extLst>
-          </p:cNvPr>
-          <p:cNvSpPr>
-            <a:spLocks noGrp="1"/>
-          </p:cNvSpPr>
-          <p:nvPr>
-            <p:ph sz="half" idx="2"/>
-          </p:nvPr>
-        </p:nvSpPr>
-        <p:spPr>
-          <a:xfrm>
-            <a:off x="5765239" y="2227263"/>
-            <a:ext cx="5422392" cy="3633047"/>
-          </a:xfrm>
-        </p:spPr>
-        <p:txBody>
-          <a:bodyPr/>
-          <a:lstStyle/>
-          <a:p>
-            <a:r>
-              <a:rPr lang="en-US" altLang="ko-KR" dirty="0">
-                <a:latin typeface="맑은 고딕" panose="020B0503020000020004" pitchFamily="50" charset="-127"/>
-                <a:ea typeface="맑은 고딕" panose="020B0503020000020004" pitchFamily="50" charset="-127"/>
-                <a:hlinkClick r:id="rId3"/>
-              </a:rPr>
-              <a:t>https://github.com/juho1109/RisingSunZ.git</a:t>
-            </a:r>
-            <a:endParaRPr lang="en-US" altLang="ko-KR" dirty="0">
-              <a:latin typeface="맑은 고딕" panose="020B0503020000020004" pitchFamily="50" charset="-127"/>
-              <a:ea typeface="맑은 고딕" panose="020B0503020000020004" pitchFamily="50" charset="-127"/>
-            </a:endParaRPr>
-          </a:p>
-          <a:p>
-            <a:endParaRPr lang="en-US" altLang="ko-KR" dirty="0">
-              <a:latin typeface="맑은 고딕" panose="020B0503020000020004" pitchFamily="50" charset="-127"/>
-              <a:ea typeface="맑은 고딕" panose="020B0503020000020004" pitchFamily="50" charset="-127"/>
-            </a:endParaRPr>
-          </a:p>
-          <a:p>
-            <a:r>
-              <a:rPr lang="ko-KR" altLang="en-US" dirty="0">
-                <a:latin typeface="맑은 고딕" panose="020B0503020000020004" pitchFamily="50" charset="-127"/>
-                <a:ea typeface="맑은 고딕" panose="020B0503020000020004" pitchFamily="50" charset="-127"/>
-              </a:rPr>
-              <a:t>김주호 </a:t>
-            </a:r>
-            <a:r>
-              <a:rPr lang="en-US" altLang="ko-KR" dirty="0">
-                <a:latin typeface="맑은 고딕" panose="020B0503020000020004" pitchFamily="50" charset="-127"/>
-                <a:ea typeface="맑은 고딕" panose="020B0503020000020004" pitchFamily="50" charset="-127"/>
-              </a:rPr>
-              <a:t>:  juho1109@gmail.com</a:t>
-            </a:r>
-          </a:p>
-          <a:p>
-            <a:r>
-              <a:rPr lang="ko-KR" altLang="en-US" dirty="0">
-                <a:latin typeface="맑은 고딕" panose="020B0503020000020004" pitchFamily="50" charset="-127"/>
-                <a:ea typeface="맑은 고딕" panose="020B0503020000020004" pitchFamily="50" charset="-127"/>
-              </a:rPr>
-              <a:t>신동윤 </a:t>
-            </a:r>
-            <a:r>
-              <a:rPr lang="en-US" altLang="ko-KR" dirty="0">
-                <a:latin typeface="맑은 고딕" panose="020B0503020000020004" pitchFamily="50" charset="-127"/>
-                <a:ea typeface="맑은 고딕" panose="020B0503020000020004" pitchFamily="50" charset="-127"/>
-              </a:rPr>
-              <a:t>: dyshin1027@gmail.com</a:t>
-            </a:r>
-          </a:p>
-          <a:p>
-            <a:r>
-              <a:rPr lang="ko-KR" altLang="en-US" dirty="0" err="1">
-                <a:latin typeface="맑은 고딕" panose="020B0503020000020004" pitchFamily="50" charset="-127"/>
-                <a:ea typeface="맑은 고딕" panose="020B0503020000020004" pitchFamily="50" charset="-127"/>
-              </a:rPr>
-              <a:t>이승해</a:t>
-            </a:r>
-            <a:r>
-              <a:rPr lang="ko-KR" altLang="en-US" dirty="0">
-                <a:latin typeface="맑은 고딕" panose="020B0503020000020004" pitchFamily="50" charset="-127"/>
-                <a:ea typeface="맑은 고딕" panose="020B0503020000020004" pitchFamily="50" charset="-127"/>
-              </a:rPr>
-              <a:t> </a:t>
-            </a:r>
-            <a:r>
-              <a:rPr lang="en-US" altLang="ko-KR" dirty="0">
-                <a:latin typeface="맑은 고딕" panose="020B0503020000020004" pitchFamily="50" charset="-127"/>
-                <a:ea typeface="맑은 고딕" panose="020B0503020000020004" pitchFamily="50" charset="-127"/>
-              </a:rPr>
-              <a:t>:  as3751@naver.com</a:t>
-            </a:r>
-            <a:endParaRPr lang="ko-KR" altLang="en-US" dirty="0">
-              <a:latin typeface="맑은 고딕" panose="020B0503020000020004" pitchFamily="50" charset="-127"/>
-              <a:ea typeface="맑은 고딕" panose="020B0503020000020004" pitchFamily="50" charset="-127"/>
-            </a:endParaRPr>
-          </a:p>
-        </p:txBody>
-      </p:sp>
       <p:sp>
         <p:nvSpPr>
           <p:cNvPr id="5" name="슬라이드 번호 개체 틀 4">
@@ -11207,6 +11199,503 @@
           </a:p>
         </p:txBody>
       </p:sp>
+      <p:sp>
+        <p:nvSpPr>
+          <p:cNvPr id="9" name="텍스트 개체 틀 2">
+            <a:extLst>
+              <a:ext uri="{FF2B5EF4-FFF2-40B4-BE49-F238E27FC236}">
+                <a16:creationId xmlns:a16="http://schemas.microsoft.com/office/drawing/2014/main" id="{59856EF3-D174-4E00-82FB-9BEA687FAAFA}"/>
+              </a:ext>
+            </a:extLst>
+          </p:cNvPr>
+          <p:cNvSpPr txBox="1">
+            <a:spLocks/>
+          </p:cNvSpPr>
+          <p:nvPr/>
+        </p:nvSpPr>
+        <p:spPr>
+          <a:xfrm>
+            <a:off x="7656795" y="2909714"/>
+            <a:ext cx="5679429" cy="2230297"/>
+          </a:xfrm>
+          <a:prstGeom prst="rect">
+            <a:avLst/>
+          </a:prstGeom>
+        </p:spPr>
+        <p:txBody>
+          <a:bodyPr/>
+          <a:lstStyle>
+            <a:lvl1pPr marL="228600" indent="-228600" algn="l" defTabSz="914400" rtl="0" eaLnBrk="1" latinLnBrk="1" hangingPunct="1">
+              <a:lnSpc>
+                <a:spcPct val="90000"/>
+              </a:lnSpc>
+              <a:spcBef>
+                <a:spcPts val="1000"/>
+              </a:spcBef>
+              <a:buFont typeface="Arial" panose="020B0604020202020204" pitchFamily="34" charset="0"/>
+              <a:buChar char="•"/>
+              <a:defRPr sz="2800" kern="1200">
+                <a:solidFill>
+                  <a:schemeClr val="tx1"/>
+                </a:solidFill>
+                <a:latin typeface="+mn-lt"/>
+                <a:ea typeface="+mn-ea"/>
+                <a:cs typeface="+mn-cs"/>
+              </a:defRPr>
+            </a:lvl1pPr>
+            <a:lvl2pPr marL="685800" indent="-228600" algn="l" defTabSz="914400" rtl="0" eaLnBrk="1" latinLnBrk="1" hangingPunct="1">
+              <a:lnSpc>
+                <a:spcPct val="90000"/>
+              </a:lnSpc>
+              <a:spcBef>
+                <a:spcPts val="500"/>
+              </a:spcBef>
+              <a:buFont typeface="Arial" panose="020B0604020202020204" pitchFamily="34" charset="0"/>
+              <a:buChar char="•"/>
+              <a:defRPr sz="2400" kern="1200">
+                <a:solidFill>
+                  <a:schemeClr val="tx1"/>
+                </a:solidFill>
+                <a:latin typeface="+mn-lt"/>
+                <a:ea typeface="+mn-ea"/>
+                <a:cs typeface="+mn-cs"/>
+              </a:defRPr>
+            </a:lvl2pPr>
+            <a:lvl3pPr marL="1143000" indent="-228600" algn="l" defTabSz="914400" rtl="0" eaLnBrk="1" latinLnBrk="1" hangingPunct="1">
+              <a:lnSpc>
+                <a:spcPct val="90000"/>
+              </a:lnSpc>
+              <a:spcBef>
+                <a:spcPts val="500"/>
+              </a:spcBef>
+              <a:buFont typeface="Arial" panose="020B0604020202020204" pitchFamily="34" charset="0"/>
+              <a:buChar char="•"/>
+              <a:defRPr sz="2000" kern="1200">
+                <a:solidFill>
+                  <a:schemeClr val="tx1"/>
+                </a:solidFill>
+                <a:latin typeface="+mn-lt"/>
+                <a:ea typeface="+mn-ea"/>
+                <a:cs typeface="+mn-cs"/>
+              </a:defRPr>
+            </a:lvl3pPr>
+            <a:lvl4pPr marL="1600200" indent="-228600" algn="l" defTabSz="914400" rtl="0" eaLnBrk="1" latinLnBrk="1" hangingPunct="1">
+              <a:lnSpc>
+                <a:spcPct val="90000"/>
+              </a:lnSpc>
+              <a:spcBef>
+                <a:spcPts val="500"/>
+              </a:spcBef>
+              <a:buFont typeface="Arial" panose="020B0604020202020204" pitchFamily="34" charset="0"/>
+              <a:buChar char="•"/>
+              <a:defRPr sz="1800" kern="1200">
+                <a:solidFill>
+                  <a:schemeClr val="tx1"/>
+                </a:solidFill>
+                <a:latin typeface="+mn-lt"/>
+                <a:ea typeface="+mn-ea"/>
+                <a:cs typeface="+mn-cs"/>
+              </a:defRPr>
+            </a:lvl4pPr>
+            <a:lvl5pPr marL="2057400" indent="-228600" algn="l" defTabSz="914400" rtl="0" eaLnBrk="1" latinLnBrk="1" hangingPunct="1">
+              <a:lnSpc>
+                <a:spcPct val="90000"/>
+              </a:lnSpc>
+              <a:spcBef>
+                <a:spcPts val="500"/>
+              </a:spcBef>
+              <a:buFont typeface="Arial" panose="020B0604020202020204" pitchFamily="34" charset="0"/>
+              <a:buChar char="•"/>
+              <a:defRPr sz="1800" kern="1200">
+                <a:solidFill>
+                  <a:schemeClr val="tx1"/>
+                </a:solidFill>
+                <a:latin typeface="+mn-lt"/>
+                <a:ea typeface="+mn-ea"/>
+                <a:cs typeface="+mn-cs"/>
+              </a:defRPr>
+            </a:lvl5pPr>
+            <a:lvl6pPr marL="2514600" indent="-228600" algn="l" defTabSz="914400" rtl="0" eaLnBrk="1" latinLnBrk="1" hangingPunct="1">
+              <a:lnSpc>
+                <a:spcPct val="90000"/>
+              </a:lnSpc>
+              <a:spcBef>
+                <a:spcPts val="500"/>
+              </a:spcBef>
+              <a:buFont typeface="Arial" panose="020B0604020202020204" pitchFamily="34" charset="0"/>
+              <a:buChar char="•"/>
+              <a:defRPr sz="1800" kern="1200">
+                <a:solidFill>
+                  <a:schemeClr val="tx1"/>
+                </a:solidFill>
+                <a:latin typeface="+mn-lt"/>
+                <a:ea typeface="+mn-ea"/>
+                <a:cs typeface="+mn-cs"/>
+              </a:defRPr>
+            </a:lvl6pPr>
+            <a:lvl7pPr marL="2971800" indent="-228600" algn="l" defTabSz="914400" rtl="0" eaLnBrk="1" latinLnBrk="1" hangingPunct="1">
+              <a:lnSpc>
+                <a:spcPct val="90000"/>
+              </a:lnSpc>
+              <a:spcBef>
+                <a:spcPts val="500"/>
+              </a:spcBef>
+              <a:buFont typeface="Arial" panose="020B0604020202020204" pitchFamily="34" charset="0"/>
+              <a:buChar char="•"/>
+              <a:defRPr sz="1800" kern="1200">
+                <a:solidFill>
+                  <a:schemeClr val="tx1"/>
+                </a:solidFill>
+                <a:latin typeface="+mn-lt"/>
+                <a:ea typeface="+mn-ea"/>
+                <a:cs typeface="+mn-cs"/>
+              </a:defRPr>
+            </a:lvl7pPr>
+            <a:lvl8pPr marL="3429000" indent="-228600" algn="l" defTabSz="914400" rtl="0" eaLnBrk="1" latinLnBrk="1" hangingPunct="1">
+              <a:lnSpc>
+                <a:spcPct val="90000"/>
+              </a:lnSpc>
+              <a:spcBef>
+                <a:spcPts val="500"/>
+              </a:spcBef>
+              <a:buFont typeface="Arial" panose="020B0604020202020204" pitchFamily="34" charset="0"/>
+              <a:buChar char="•"/>
+              <a:defRPr sz="1800" kern="1200">
+                <a:solidFill>
+                  <a:schemeClr val="tx1"/>
+                </a:solidFill>
+                <a:latin typeface="+mn-lt"/>
+                <a:ea typeface="+mn-ea"/>
+                <a:cs typeface="+mn-cs"/>
+              </a:defRPr>
+            </a:lvl8pPr>
+            <a:lvl9pPr marL="3886200" indent="-228600" algn="l" defTabSz="914400" rtl="0" eaLnBrk="1" latinLnBrk="1" hangingPunct="1">
+              <a:lnSpc>
+                <a:spcPct val="90000"/>
+              </a:lnSpc>
+              <a:spcBef>
+                <a:spcPts val="500"/>
+              </a:spcBef>
+              <a:buFont typeface="Arial" panose="020B0604020202020204" pitchFamily="34" charset="0"/>
+              <a:buChar char="•"/>
+              <a:defRPr sz="1800" kern="1200">
+                <a:solidFill>
+                  <a:schemeClr val="tx1"/>
+                </a:solidFill>
+                <a:latin typeface="+mn-lt"/>
+                <a:ea typeface="+mn-ea"/>
+                <a:cs typeface="+mn-cs"/>
+              </a:defRPr>
+            </a:lvl9pPr>
+          </a:lstStyle>
+          <a:p>
+            <a:endParaRPr lang="en-US" altLang="ko-KR" sz="2000" dirty="0">
+              <a:latin typeface="맑은 고딕" panose="020B0503020000020004" pitchFamily="50" charset="-127"/>
+              <a:ea typeface="맑은 고딕" panose="020B0503020000020004" pitchFamily="50" charset="-127"/>
+            </a:endParaRPr>
+          </a:p>
+          <a:p>
+            <a:r>
+              <a:rPr lang="ko-KR" altLang="en-US" sz="2000" dirty="0">
+                <a:latin typeface="맑은 고딕" panose="020B0503020000020004" pitchFamily="50" charset="-127"/>
+                <a:ea typeface="맑은 고딕" panose="020B0503020000020004" pitchFamily="50" charset="-127"/>
+              </a:rPr>
+              <a:t>김주호 </a:t>
+            </a:r>
+            <a:r>
+              <a:rPr lang="en-US" altLang="ko-KR" sz="2000" dirty="0">
+                <a:latin typeface="맑은 고딕" panose="020B0503020000020004" pitchFamily="50" charset="-127"/>
+                <a:ea typeface="맑은 고딕" panose="020B0503020000020004" pitchFamily="50" charset="-127"/>
+              </a:rPr>
+              <a:t>:  juho1109@gmail.com</a:t>
+            </a:r>
+          </a:p>
+          <a:p>
+            <a:r>
+              <a:rPr lang="ko-KR" altLang="en-US" sz="2000" dirty="0">
+                <a:latin typeface="맑은 고딕" panose="020B0503020000020004" pitchFamily="50" charset="-127"/>
+                <a:ea typeface="맑은 고딕" panose="020B0503020000020004" pitchFamily="50" charset="-127"/>
+              </a:rPr>
+              <a:t>신동윤 </a:t>
+            </a:r>
+            <a:r>
+              <a:rPr lang="en-US" altLang="ko-KR" sz="2000" dirty="0">
+                <a:latin typeface="맑은 고딕" panose="020B0503020000020004" pitchFamily="50" charset="-127"/>
+                <a:ea typeface="맑은 고딕" panose="020B0503020000020004" pitchFamily="50" charset="-127"/>
+              </a:rPr>
+              <a:t>: dyshin1027@gmail.com</a:t>
+            </a:r>
+          </a:p>
+          <a:p>
+            <a:r>
+              <a:rPr lang="ko-KR" altLang="en-US" sz="2000" dirty="0" err="1">
+                <a:latin typeface="맑은 고딕" panose="020B0503020000020004" pitchFamily="50" charset="-127"/>
+                <a:ea typeface="맑은 고딕" panose="020B0503020000020004" pitchFamily="50" charset="-127"/>
+              </a:rPr>
+              <a:t>이승해</a:t>
+            </a:r>
+            <a:r>
+              <a:rPr lang="ko-KR" altLang="en-US" sz="2000" dirty="0">
+                <a:latin typeface="맑은 고딕" panose="020B0503020000020004" pitchFamily="50" charset="-127"/>
+                <a:ea typeface="맑은 고딕" panose="020B0503020000020004" pitchFamily="50" charset="-127"/>
+              </a:rPr>
+              <a:t> </a:t>
+            </a:r>
+            <a:r>
+              <a:rPr lang="en-US" altLang="ko-KR" sz="2000" dirty="0">
+                <a:latin typeface="맑은 고딕" panose="020B0503020000020004" pitchFamily="50" charset="-127"/>
+                <a:ea typeface="맑은 고딕" panose="020B0503020000020004" pitchFamily="50" charset="-127"/>
+              </a:rPr>
+              <a:t>:  as3751@naver.com</a:t>
+            </a:r>
+            <a:endParaRPr lang="ko-KR" altLang="en-US" sz="2000" dirty="0">
+              <a:latin typeface="맑은 고딕" panose="020B0503020000020004" pitchFamily="50" charset="-127"/>
+              <a:ea typeface="맑은 고딕" panose="020B0503020000020004" pitchFamily="50" charset="-127"/>
+            </a:endParaRPr>
+          </a:p>
+        </p:txBody>
+      </p:sp>
+      <p:pic>
+        <p:nvPicPr>
+          <p:cNvPr id="12" name="그림 11">
+            <a:extLst>
+              <a:ext uri="{FF2B5EF4-FFF2-40B4-BE49-F238E27FC236}">
+                <a16:creationId xmlns:a16="http://schemas.microsoft.com/office/drawing/2014/main" id="{E6C2DB2C-4D3A-4F8E-8107-C06B2F7FBA9C}"/>
+              </a:ext>
+            </a:extLst>
+          </p:cNvPr>
+          <p:cNvPicPr>
+            <a:picLocks noChangeAspect="1"/>
+          </p:cNvPicPr>
+          <p:nvPr/>
+        </p:nvPicPr>
+        <p:blipFill>
+          <a:blip r:embed="rId2"/>
+          <a:stretch>
+            <a:fillRect/>
+          </a:stretch>
+        </p:blipFill>
+        <p:spPr>
+          <a:xfrm>
+            <a:off x="415108" y="2110154"/>
+            <a:ext cx="7241687" cy="3434861"/>
+          </a:xfrm>
+          <a:prstGeom prst="rect">
+            <a:avLst/>
+          </a:prstGeom>
+        </p:spPr>
+      </p:pic>
+      <p:sp>
+        <p:nvSpPr>
+          <p:cNvPr id="13" name="텍스트 개체 틀 2">
+            <a:extLst>
+              <a:ext uri="{FF2B5EF4-FFF2-40B4-BE49-F238E27FC236}">
+                <a16:creationId xmlns:a16="http://schemas.microsoft.com/office/drawing/2014/main" id="{D5DA5FD3-CCE1-4A2A-BA13-A93B813BDAFF}"/>
+              </a:ext>
+            </a:extLst>
+          </p:cNvPr>
+          <p:cNvSpPr txBox="1">
+            <a:spLocks/>
+          </p:cNvSpPr>
+          <p:nvPr/>
+        </p:nvSpPr>
+        <p:spPr>
+          <a:xfrm>
+            <a:off x="415108" y="5653174"/>
+            <a:ext cx="6138092" cy="568010"/>
+          </a:xfrm>
+          <a:prstGeom prst="rect">
+            <a:avLst/>
+          </a:prstGeom>
+        </p:spPr>
+        <p:txBody>
+          <a:bodyPr/>
+          <a:lstStyle>
+            <a:lvl1pPr marL="228600" indent="-228600" algn="l" defTabSz="914400" rtl="0" eaLnBrk="1" latinLnBrk="1" hangingPunct="1">
+              <a:lnSpc>
+                <a:spcPct val="90000"/>
+              </a:lnSpc>
+              <a:spcBef>
+                <a:spcPts val="1000"/>
+              </a:spcBef>
+              <a:buFont typeface="Arial" panose="020B0604020202020204" pitchFamily="34" charset="0"/>
+              <a:buChar char="•"/>
+              <a:defRPr sz="2800" kern="1200">
+                <a:solidFill>
+                  <a:schemeClr val="tx1"/>
+                </a:solidFill>
+                <a:latin typeface="+mn-lt"/>
+                <a:ea typeface="+mn-ea"/>
+                <a:cs typeface="+mn-cs"/>
+              </a:defRPr>
+            </a:lvl1pPr>
+            <a:lvl2pPr marL="685800" indent="-228600" algn="l" defTabSz="914400" rtl="0" eaLnBrk="1" latinLnBrk="1" hangingPunct="1">
+              <a:lnSpc>
+                <a:spcPct val="90000"/>
+              </a:lnSpc>
+              <a:spcBef>
+                <a:spcPts val="500"/>
+              </a:spcBef>
+              <a:buFont typeface="Arial" panose="020B0604020202020204" pitchFamily="34" charset="0"/>
+              <a:buChar char="•"/>
+              <a:defRPr sz="2400" kern="1200">
+                <a:solidFill>
+                  <a:schemeClr val="tx1"/>
+                </a:solidFill>
+                <a:latin typeface="+mn-lt"/>
+                <a:ea typeface="+mn-ea"/>
+                <a:cs typeface="+mn-cs"/>
+              </a:defRPr>
+            </a:lvl2pPr>
+            <a:lvl3pPr marL="1143000" indent="-228600" algn="l" defTabSz="914400" rtl="0" eaLnBrk="1" latinLnBrk="1" hangingPunct="1">
+              <a:lnSpc>
+                <a:spcPct val="90000"/>
+              </a:lnSpc>
+              <a:spcBef>
+                <a:spcPts val="500"/>
+              </a:spcBef>
+              <a:buFont typeface="Arial" panose="020B0604020202020204" pitchFamily="34" charset="0"/>
+              <a:buChar char="•"/>
+              <a:defRPr sz="2000" kern="1200">
+                <a:solidFill>
+                  <a:schemeClr val="tx1"/>
+                </a:solidFill>
+                <a:latin typeface="+mn-lt"/>
+                <a:ea typeface="+mn-ea"/>
+                <a:cs typeface="+mn-cs"/>
+              </a:defRPr>
+            </a:lvl3pPr>
+            <a:lvl4pPr marL="1600200" indent="-228600" algn="l" defTabSz="914400" rtl="0" eaLnBrk="1" latinLnBrk="1" hangingPunct="1">
+              <a:lnSpc>
+                <a:spcPct val="90000"/>
+              </a:lnSpc>
+              <a:spcBef>
+                <a:spcPts val="500"/>
+              </a:spcBef>
+              <a:buFont typeface="Arial" panose="020B0604020202020204" pitchFamily="34" charset="0"/>
+              <a:buChar char="•"/>
+              <a:defRPr sz="1800" kern="1200">
+                <a:solidFill>
+                  <a:schemeClr val="tx1"/>
+                </a:solidFill>
+                <a:latin typeface="+mn-lt"/>
+                <a:ea typeface="+mn-ea"/>
+                <a:cs typeface="+mn-cs"/>
+              </a:defRPr>
+            </a:lvl4pPr>
+            <a:lvl5pPr marL="2057400" indent="-228600" algn="l" defTabSz="914400" rtl="0" eaLnBrk="1" latinLnBrk="1" hangingPunct="1">
+              <a:lnSpc>
+                <a:spcPct val="90000"/>
+              </a:lnSpc>
+              <a:spcBef>
+                <a:spcPts val="500"/>
+              </a:spcBef>
+              <a:buFont typeface="Arial" panose="020B0604020202020204" pitchFamily="34" charset="0"/>
+              <a:buChar char="•"/>
+              <a:defRPr sz="1800" kern="1200">
+                <a:solidFill>
+                  <a:schemeClr val="tx1"/>
+                </a:solidFill>
+                <a:latin typeface="+mn-lt"/>
+                <a:ea typeface="+mn-ea"/>
+                <a:cs typeface="+mn-cs"/>
+              </a:defRPr>
+            </a:lvl5pPr>
+            <a:lvl6pPr marL="2514600" indent="-228600" algn="l" defTabSz="914400" rtl="0" eaLnBrk="1" latinLnBrk="1" hangingPunct="1">
+              <a:lnSpc>
+                <a:spcPct val="90000"/>
+              </a:lnSpc>
+              <a:spcBef>
+                <a:spcPts val="500"/>
+              </a:spcBef>
+              <a:buFont typeface="Arial" panose="020B0604020202020204" pitchFamily="34" charset="0"/>
+              <a:buChar char="•"/>
+              <a:defRPr sz="1800" kern="1200">
+                <a:solidFill>
+                  <a:schemeClr val="tx1"/>
+                </a:solidFill>
+                <a:latin typeface="+mn-lt"/>
+                <a:ea typeface="+mn-ea"/>
+                <a:cs typeface="+mn-cs"/>
+              </a:defRPr>
+            </a:lvl6pPr>
+            <a:lvl7pPr marL="2971800" indent="-228600" algn="l" defTabSz="914400" rtl="0" eaLnBrk="1" latinLnBrk="1" hangingPunct="1">
+              <a:lnSpc>
+                <a:spcPct val="90000"/>
+              </a:lnSpc>
+              <a:spcBef>
+                <a:spcPts val="500"/>
+              </a:spcBef>
+              <a:buFont typeface="Arial" panose="020B0604020202020204" pitchFamily="34" charset="0"/>
+              <a:buChar char="•"/>
+              <a:defRPr sz="1800" kern="1200">
+                <a:solidFill>
+                  <a:schemeClr val="tx1"/>
+                </a:solidFill>
+                <a:latin typeface="+mn-lt"/>
+                <a:ea typeface="+mn-ea"/>
+                <a:cs typeface="+mn-cs"/>
+              </a:defRPr>
+            </a:lvl7pPr>
+            <a:lvl8pPr marL="3429000" indent="-228600" algn="l" defTabSz="914400" rtl="0" eaLnBrk="1" latinLnBrk="1" hangingPunct="1">
+              <a:lnSpc>
+                <a:spcPct val="90000"/>
+              </a:lnSpc>
+              <a:spcBef>
+                <a:spcPts val="500"/>
+              </a:spcBef>
+              <a:buFont typeface="Arial" panose="020B0604020202020204" pitchFamily="34" charset="0"/>
+              <a:buChar char="•"/>
+              <a:defRPr sz="1800" kern="1200">
+                <a:solidFill>
+                  <a:schemeClr val="tx1"/>
+                </a:solidFill>
+                <a:latin typeface="+mn-lt"/>
+                <a:ea typeface="+mn-ea"/>
+                <a:cs typeface="+mn-cs"/>
+              </a:defRPr>
+            </a:lvl8pPr>
+            <a:lvl9pPr marL="3886200" indent="-228600" algn="l" defTabSz="914400" rtl="0" eaLnBrk="1" latinLnBrk="1" hangingPunct="1">
+              <a:lnSpc>
+                <a:spcPct val="90000"/>
+              </a:lnSpc>
+              <a:spcBef>
+                <a:spcPts val="500"/>
+              </a:spcBef>
+              <a:buFont typeface="Arial" panose="020B0604020202020204" pitchFamily="34" charset="0"/>
+              <a:buChar char="•"/>
+              <a:defRPr sz="1800" kern="1200">
+                <a:solidFill>
+                  <a:schemeClr val="tx1"/>
+                </a:solidFill>
+                <a:latin typeface="+mn-lt"/>
+                <a:ea typeface="+mn-ea"/>
+                <a:cs typeface="+mn-cs"/>
+              </a:defRPr>
+            </a:lvl9pPr>
+          </a:lstStyle>
+          <a:p>
+            <a:r>
+              <a:rPr lang="en-US" altLang="ko-KR" sz="2000" dirty="0">
+                <a:latin typeface="맑은 고딕" panose="020B0503020000020004" pitchFamily="50" charset="-127"/>
+                <a:ea typeface="맑은 고딕" panose="020B0503020000020004" pitchFamily="50" charset="-127"/>
+                <a:hlinkClick r:id="rId3"/>
+              </a:rPr>
+              <a:t>https://github.com/shindongyoun/RisingSunz</a:t>
+            </a:r>
+            <a:endParaRPr lang="en-US" altLang="ko-KR" sz="2000" dirty="0">
+              <a:latin typeface="맑은 고딕" panose="020B0503020000020004" pitchFamily="50" charset="-127"/>
+              <a:ea typeface="맑은 고딕" panose="020B0503020000020004" pitchFamily="50" charset="-127"/>
+            </a:endParaRPr>
+          </a:p>
+          <a:p>
+            <a:endParaRPr lang="ko-KR" altLang="en-US" sz="2000" dirty="0">
+              <a:latin typeface="맑은 고딕" panose="020B0503020000020004" pitchFamily="50" charset="-127"/>
+              <a:ea typeface="맑은 고딕" panose="020B0503020000020004" pitchFamily="50" charset="-127"/>
+            </a:endParaRPr>
+          </a:p>
+        </p:txBody>
+      </p:sp>
     </p:spTree>
     <p:extLst>
       <p:ext uri="{BB962C8B-B14F-4D97-AF65-F5344CB8AC3E}">
@@ -11217,6 +11706,139 @@
   <p:clrMapOvr>
     <a:masterClrMapping/>
   </p:clrMapOvr>
+  <p:timing>
+    <p:tnLst>
+      <p:par>
+        <p:cTn id="1" dur="indefinite" restart="never" nodeType="tmRoot">
+          <p:childTnLst>
+            <p:seq concurrent="1" nextAc="seek">
+              <p:cTn id="2" dur="indefinite" nodeType="mainSeq">
+                <p:childTnLst>
+                  <p:par>
+                    <p:cTn id="3" fill="hold">
+                      <p:stCondLst>
+                        <p:cond delay="indefinite"/>
+                      </p:stCondLst>
+                      <p:childTnLst>
+                        <p:par>
+                          <p:cTn id="4" fill="hold">
+                            <p:stCondLst>
+                              <p:cond delay="0"/>
+                            </p:stCondLst>
+                            <p:childTnLst>
+                              <p:par>
+                                <p:cTn id="5" presetID="1" presetClass="entr" presetSubtype="0" fill="hold" grpId="0" nodeType="clickEffect">
+                                  <p:stCondLst>
+                                    <p:cond delay="0"/>
+                                  </p:stCondLst>
+                                  <p:childTnLst>
+                                    <p:set>
+                                      <p:cBhvr>
+                                        <p:cTn id="6" dur="1" fill="hold">
+                                          <p:stCondLst>
+                                            <p:cond delay="0"/>
+                                          </p:stCondLst>
+                                        </p:cTn>
+                                        <p:tgtEl>
+                                          <p:spTgt spid="9"/>
+                                        </p:tgtEl>
+                                        <p:attrNameLst>
+                                          <p:attrName>style.visibility</p:attrName>
+                                        </p:attrNameLst>
+                                      </p:cBhvr>
+                                      <p:to>
+                                        <p:strVal val="visible"/>
+                                      </p:to>
+                                    </p:set>
+                                  </p:childTnLst>
+                                </p:cTn>
+                              </p:par>
+                              <p:par>
+                                <p:cTn id="7" presetID="1" presetClass="entr" presetSubtype="0" fill="hold" nodeType="withEffect">
+                                  <p:stCondLst>
+                                    <p:cond delay="0"/>
+                                  </p:stCondLst>
+                                  <p:childTnLst>
+                                    <p:set>
+                                      <p:cBhvr>
+                                        <p:cTn id="8" dur="1" fill="hold">
+                                          <p:stCondLst>
+                                            <p:cond delay="0"/>
+                                          </p:stCondLst>
+                                        </p:cTn>
+                                        <p:tgtEl>
+                                          <p:spTgt spid="12"/>
+                                        </p:tgtEl>
+                                        <p:attrNameLst>
+                                          <p:attrName>style.visibility</p:attrName>
+                                        </p:attrNameLst>
+                                      </p:cBhvr>
+                                      <p:to>
+                                        <p:strVal val="visible"/>
+                                      </p:to>
+                                    </p:set>
+                                  </p:childTnLst>
+                                </p:cTn>
+                              </p:par>
+                              <p:par>
+                                <p:cTn id="9" presetID="1" presetClass="entr" presetSubtype="0" fill="hold" grpId="0" nodeType="withEffect">
+                                  <p:stCondLst>
+                                    <p:cond delay="0"/>
+                                  </p:stCondLst>
+                                  <p:childTnLst>
+                                    <p:set>
+                                      <p:cBhvr>
+                                        <p:cTn id="10" dur="1" fill="hold">
+                                          <p:stCondLst>
+                                            <p:cond delay="0"/>
+                                          </p:stCondLst>
+                                        </p:cTn>
+                                        <p:tgtEl>
+                                          <p:spTgt spid="13"/>
+                                        </p:tgtEl>
+                                        <p:attrNameLst>
+                                          <p:attrName>style.visibility</p:attrName>
+                                        </p:attrNameLst>
+                                      </p:cBhvr>
+                                      <p:to>
+                                        <p:strVal val="visible"/>
+                                      </p:to>
+                                    </p:set>
+                                  </p:childTnLst>
+                                </p:cTn>
+                              </p:par>
+                            </p:childTnLst>
+                          </p:cTn>
+                        </p:par>
+                      </p:childTnLst>
+                    </p:cTn>
+                  </p:par>
+                </p:childTnLst>
+              </p:cTn>
+              <p:prevCondLst>
+                <p:cond evt="onPrev" delay="0">
+                  <p:tgtEl>
+                    <p:sldTgt/>
+                  </p:tgtEl>
+                </p:cond>
+              </p:prevCondLst>
+              <p:nextCondLst>
+                <p:cond evt="onNext" delay="0">
+                  <p:tgtEl>
+                    <p:sldTgt/>
+                  </p:tgtEl>
+                </p:cond>
+              </p:nextCondLst>
+            </p:seq>
+          </p:childTnLst>
+        </p:cTn>
+      </p:par>
+    </p:tnLst>
+    <p:bldLst>
+      <p:bldP spid="9" grpId="0"/>
+      <p:bldP spid="13" grpId="0"/>
+    </p:bldLst>
+  </p:timing>
 </p:sld>
 </file>
 
@@ -16194,8 +16816,37 @@
         </p:blipFill>
         <p:spPr>
           <a:xfrm>
-            <a:off x="4968597" y="2492463"/>
-            <a:ext cx="6642212" cy="3249401"/>
+            <a:off x="4880817" y="2262447"/>
+            <a:ext cx="6979700" cy="3414502"/>
+          </a:xfrm>
+          <a:prstGeom prst="rect">
+            <a:avLst/>
+          </a:prstGeom>
+        </p:spPr>
+      </p:pic>
+      <p:pic>
+        <p:nvPicPr>
+          <p:cNvPr id="9" name="그림 8">
+            <a:extLst>
+              <a:ext uri="{FF2B5EF4-FFF2-40B4-BE49-F238E27FC236}">
+                <a16:creationId xmlns:a16="http://schemas.microsoft.com/office/drawing/2014/main" id="{13F3396D-F380-4887-9C0A-B8D9EA2EDBB0}"/>
+              </a:ext>
+            </a:extLst>
+          </p:cNvPr>
+          <p:cNvPicPr>
+            <a:picLocks noChangeAspect="1"/>
+          </p:cNvPicPr>
+          <p:nvPr/>
+        </p:nvPicPr>
+        <p:blipFill rotWithShape="1">
+          <a:blip r:embed="rId5"/>
+          <a:srcRect l="4713" t="55050" r="64894" b="14635"/>
+          <a:stretch/>
+        </p:blipFill>
+        <p:spPr>
+          <a:xfrm>
+            <a:off x="4880816" y="2263500"/>
+            <a:ext cx="6979700" cy="3405780"/>
           </a:xfrm>
           <a:prstGeom prst="rect">
             <a:avLst/>
@@ -16373,6 +17024,51 @@
                       </p:childTnLst>
                     </p:cTn>
                   </p:par>
+                  <p:par>
+                    <p:cTn id="15" fill="hold">
+                      <p:stCondLst>
+                        <p:cond delay="indefinite"/>
+                      </p:stCondLst>
+                      <p:childTnLst>
+                        <p:par>
+                          <p:cTn id="16" fill="hold">
+                            <p:stCondLst>
+                              <p:cond delay="0"/>
+                            </p:stCondLst>
+                            <p:childTnLst>
+                              <p:par>
+                                <p:cTn id="17" presetID="1" presetClass="entr" presetSubtype="0" fill="hold" nodeType="clickEffect">
+                                  <p:stCondLst>
+                                    <p:cond delay="0"/>
+                                  </p:stCondLst>
+                                  <p:childTnLst>
+                                    <p:set>
+                                      <p:cBhvr>
+                                        <p:cTn id="18" dur="1" fill="hold">
+                                          <p:stCondLst>
+                                            <p:cond delay="0"/>
+                                          </p:stCondLst>
+                                        </p:cTn>
+                                        <p:tgtEl>
+                                          <p:spTgt spid="9"/>
+                                        </p:tgtEl>
+                                        <p:attrNameLst>
+                                          <p:attrName>style.visibility</p:attrName>
+                                        </p:attrNameLst>
+                                      </p:cBhvr>
+                                      <p:to>
+                                        <p:strVal val="visible"/>
+                                      </p:to>
+                                    </p:set>
+                                  </p:childTnLst>
+                                </p:cTn>
+                              </p:par>
+                            </p:childTnLst>
+                          </p:cTn>
+                        </p:par>
+                      </p:childTnLst>
+                    </p:cTn>
+                  </p:par>
                 </p:childTnLst>
               </p:cTn>
               <p:prevCondLst>
@@ -16457,241 +17153,6 @@
       </p:sp>
       <p:sp>
         <p:nvSpPr>
-          <p:cNvPr id="14" name="텍스트 개체 틀 2">
-            <a:extLst>
-              <a:ext uri="{FF2B5EF4-FFF2-40B4-BE49-F238E27FC236}">
-                <a16:creationId xmlns:a16="http://schemas.microsoft.com/office/drawing/2014/main" id="{DD5278B9-A88F-43B0-9169-D055A5D43D94}"/>
-              </a:ext>
-            </a:extLst>
-          </p:cNvPr>
-          <p:cNvSpPr txBox="1">
-            <a:spLocks/>
-          </p:cNvSpPr>
-          <p:nvPr/>
-        </p:nvSpPr>
-        <p:spPr>
-          <a:xfrm>
-            <a:off x="5036237" y="2487475"/>
-            <a:ext cx="6131414" cy="795930"/>
-          </a:xfrm>
-          <a:prstGeom prst="rect">
-            <a:avLst/>
-          </a:prstGeom>
-        </p:spPr>
-        <p:txBody>
-          <a:bodyPr/>
-          <a:lstStyle>
-            <a:lvl1pPr marL="228600" indent="-228600" algn="l" defTabSz="914400" rtl="0" eaLnBrk="1" latinLnBrk="1" hangingPunct="1">
-              <a:lnSpc>
-                <a:spcPct val="90000"/>
-              </a:lnSpc>
-              <a:spcBef>
-                <a:spcPts val="1000"/>
-              </a:spcBef>
-              <a:buFont typeface="Arial" panose="020B0604020202020204" pitchFamily="34" charset="0"/>
-              <a:buChar char="•"/>
-              <a:defRPr sz="2800" kern="1200">
-                <a:solidFill>
-                  <a:schemeClr val="tx1"/>
-                </a:solidFill>
-                <a:latin typeface="+mn-lt"/>
-                <a:ea typeface="+mn-ea"/>
-                <a:cs typeface="+mn-cs"/>
-              </a:defRPr>
-            </a:lvl1pPr>
-            <a:lvl2pPr marL="685800" indent="-228600" algn="l" defTabSz="914400" rtl="0" eaLnBrk="1" latinLnBrk="1" hangingPunct="1">
-              <a:lnSpc>
-                <a:spcPct val="90000"/>
-              </a:lnSpc>
-              <a:spcBef>
-                <a:spcPts val="500"/>
-              </a:spcBef>
-              <a:buFont typeface="Arial" panose="020B0604020202020204" pitchFamily="34" charset="0"/>
-              <a:buChar char="•"/>
-              <a:defRPr sz="2400" kern="1200">
-                <a:solidFill>
-                  <a:schemeClr val="tx1"/>
-                </a:solidFill>
-                <a:latin typeface="+mn-lt"/>
-                <a:ea typeface="+mn-ea"/>
-                <a:cs typeface="+mn-cs"/>
-              </a:defRPr>
-            </a:lvl2pPr>
-            <a:lvl3pPr marL="1143000" indent="-228600" algn="l" defTabSz="914400" rtl="0" eaLnBrk="1" latinLnBrk="1" hangingPunct="1">
-              <a:lnSpc>
-                <a:spcPct val="90000"/>
-              </a:lnSpc>
-              <a:spcBef>
-                <a:spcPts val="500"/>
-              </a:spcBef>
-              <a:buFont typeface="Arial" panose="020B0604020202020204" pitchFamily="34" charset="0"/>
-              <a:buChar char="•"/>
-              <a:defRPr sz="2000" kern="1200">
-                <a:solidFill>
-                  <a:schemeClr val="tx1"/>
-                </a:solidFill>
-                <a:latin typeface="+mn-lt"/>
-                <a:ea typeface="+mn-ea"/>
-                <a:cs typeface="+mn-cs"/>
-              </a:defRPr>
-            </a:lvl3pPr>
-            <a:lvl4pPr marL="1600200" indent="-228600" algn="l" defTabSz="914400" rtl="0" eaLnBrk="1" latinLnBrk="1" hangingPunct="1">
-              <a:lnSpc>
-                <a:spcPct val="90000"/>
-              </a:lnSpc>
-              <a:spcBef>
-                <a:spcPts val="500"/>
-              </a:spcBef>
-              <a:buFont typeface="Arial" panose="020B0604020202020204" pitchFamily="34" charset="0"/>
-              <a:buChar char="•"/>
-              <a:defRPr sz="1800" kern="1200">
-                <a:solidFill>
-                  <a:schemeClr val="tx1"/>
-                </a:solidFill>
-                <a:latin typeface="+mn-lt"/>
-                <a:ea typeface="+mn-ea"/>
-                <a:cs typeface="+mn-cs"/>
-              </a:defRPr>
-            </a:lvl4pPr>
-            <a:lvl5pPr marL="2057400" indent="-228600" algn="l" defTabSz="914400" rtl="0" eaLnBrk="1" latinLnBrk="1" hangingPunct="1">
-              <a:lnSpc>
-                <a:spcPct val="90000"/>
-              </a:lnSpc>
-              <a:spcBef>
-                <a:spcPts val="500"/>
-              </a:spcBef>
-              <a:buFont typeface="Arial" panose="020B0604020202020204" pitchFamily="34" charset="0"/>
-              <a:buChar char="•"/>
-              <a:defRPr sz="1800" kern="1200">
-                <a:solidFill>
-                  <a:schemeClr val="tx1"/>
-                </a:solidFill>
-                <a:latin typeface="+mn-lt"/>
-                <a:ea typeface="+mn-ea"/>
-                <a:cs typeface="+mn-cs"/>
-              </a:defRPr>
-            </a:lvl5pPr>
-            <a:lvl6pPr marL="2514600" indent="-228600" algn="l" defTabSz="914400" rtl="0" eaLnBrk="1" latinLnBrk="1" hangingPunct="1">
-              <a:lnSpc>
-                <a:spcPct val="90000"/>
-              </a:lnSpc>
-              <a:spcBef>
-                <a:spcPts val="500"/>
-              </a:spcBef>
-              <a:buFont typeface="Arial" panose="020B0604020202020204" pitchFamily="34" charset="0"/>
-              <a:buChar char="•"/>
-              <a:defRPr sz="1800" kern="1200">
-                <a:solidFill>
-                  <a:schemeClr val="tx1"/>
-                </a:solidFill>
-                <a:latin typeface="+mn-lt"/>
-                <a:ea typeface="+mn-ea"/>
-                <a:cs typeface="+mn-cs"/>
-              </a:defRPr>
-            </a:lvl6pPr>
-            <a:lvl7pPr marL="2971800" indent="-228600" algn="l" defTabSz="914400" rtl="0" eaLnBrk="1" latinLnBrk="1" hangingPunct="1">
-              <a:lnSpc>
-                <a:spcPct val="90000"/>
-              </a:lnSpc>
-              <a:spcBef>
-                <a:spcPts val="500"/>
-              </a:spcBef>
-              <a:buFont typeface="Arial" panose="020B0604020202020204" pitchFamily="34" charset="0"/>
-              <a:buChar char="•"/>
-              <a:defRPr sz="1800" kern="1200">
-                <a:solidFill>
-                  <a:schemeClr val="tx1"/>
-                </a:solidFill>
-                <a:latin typeface="+mn-lt"/>
-                <a:ea typeface="+mn-ea"/>
-                <a:cs typeface="+mn-cs"/>
-              </a:defRPr>
-            </a:lvl7pPr>
-            <a:lvl8pPr marL="3429000" indent="-228600" algn="l" defTabSz="914400" rtl="0" eaLnBrk="1" latinLnBrk="1" hangingPunct="1">
-              <a:lnSpc>
-                <a:spcPct val="90000"/>
-              </a:lnSpc>
-              <a:spcBef>
-                <a:spcPts val="500"/>
-              </a:spcBef>
-              <a:buFont typeface="Arial" panose="020B0604020202020204" pitchFamily="34" charset="0"/>
-              <a:buChar char="•"/>
-              <a:defRPr sz="1800" kern="1200">
-                <a:solidFill>
-                  <a:schemeClr val="tx1"/>
-                </a:solidFill>
-                <a:latin typeface="+mn-lt"/>
-                <a:ea typeface="+mn-ea"/>
-                <a:cs typeface="+mn-cs"/>
-              </a:defRPr>
-            </a:lvl8pPr>
-            <a:lvl9pPr marL="3886200" indent="-228600" algn="l" defTabSz="914400" rtl="0" eaLnBrk="1" latinLnBrk="1" hangingPunct="1">
-              <a:lnSpc>
-                <a:spcPct val="90000"/>
-              </a:lnSpc>
-              <a:spcBef>
-                <a:spcPts val="500"/>
-              </a:spcBef>
-              <a:buFont typeface="Arial" panose="020B0604020202020204" pitchFamily="34" charset="0"/>
-              <a:buChar char="•"/>
-              <a:defRPr sz="1800" kern="1200">
-                <a:solidFill>
-                  <a:schemeClr val="tx1"/>
-                </a:solidFill>
-                <a:latin typeface="+mn-lt"/>
-                <a:ea typeface="+mn-ea"/>
-                <a:cs typeface="+mn-cs"/>
-              </a:defRPr>
-            </a:lvl9pPr>
-          </a:lstStyle>
-          <a:p>
-            <a:pPr marL="0" indent="0" algn="ctr">
-              <a:lnSpc>
-                <a:spcPct val="100000"/>
-              </a:lnSpc>
-              <a:buNone/>
-            </a:pPr>
-            <a:r>
-              <a:rPr lang="ko-KR" altLang="en-US" sz="1600" b="1" dirty="0" err="1">
-                <a:solidFill>
-                  <a:schemeClr val="tx1">
-                    <a:lumMod val="75000"/>
-                    <a:lumOff val="25000"/>
-                  </a:schemeClr>
-                </a:solidFill>
-                <a:latin typeface="맑은 고딕" panose="020B0503020000020004" pitchFamily="50" charset="-127"/>
-                <a:ea typeface="맑은 고딕" panose="020B0503020000020004" pitchFamily="50" charset="-127"/>
-              </a:rPr>
-              <a:t>라즈베리파이에서</a:t>
-            </a:r>
-            <a:r>
-              <a:rPr lang="ko-KR" altLang="en-US" sz="1600" b="1" dirty="0">
-                <a:solidFill>
-                  <a:schemeClr val="tx1">
-                    <a:lumMod val="75000"/>
-                    <a:lumOff val="25000"/>
-                  </a:schemeClr>
-                </a:solidFill>
-                <a:latin typeface="맑은 고딕" panose="020B0503020000020004" pitchFamily="50" charset="-127"/>
-                <a:ea typeface="맑은 고딕" panose="020B0503020000020004" pitchFamily="50" charset="-127"/>
-              </a:rPr>
-              <a:t> 차량의 샘플 데이터를 기반으로 로그발생</a:t>
-            </a:r>
-            <a:endParaRPr lang="en-US" altLang="ko-KR" sz="1600" b="1" dirty="0">
-              <a:solidFill>
-                <a:schemeClr val="tx1">
-                  <a:lumMod val="75000"/>
-                  <a:lumOff val="25000"/>
-                </a:schemeClr>
-              </a:solidFill>
-              <a:latin typeface="맑은 고딕" panose="020B0503020000020004" pitchFamily="50" charset="-127"/>
-              <a:ea typeface="맑은 고딕" panose="020B0503020000020004" pitchFamily="50" charset="-127"/>
-            </a:endParaRPr>
-          </a:p>
-        </p:txBody>
-      </p:sp>
-      <p:sp>
-        <p:nvSpPr>
           <p:cNvPr id="2" name="슬라이드 번호 개체 틀 1">
             <a:extLst>
               <a:ext uri="{FF2B5EF4-FFF2-40B4-BE49-F238E27FC236}">
@@ -16749,50 +17210,6 @@
           </a:prstGeom>
         </p:spPr>
       </p:pic>
-      <p:cxnSp>
-        <p:nvCxnSpPr>
-          <p:cNvPr id="3" name="직선 화살표 연결선 2">
-            <a:extLst>
-              <a:ext uri="{FF2B5EF4-FFF2-40B4-BE49-F238E27FC236}">
-                <a16:creationId xmlns:a16="http://schemas.microsoft.com/office/drawing/2014/main" id="{25C2C025-9A7B-4587-9709-58409B30231E}"/>
-              </a:ext>
-            </a:extLst>
-          </p:cNvPr>
-          <p:cNvCxnSpPr>
-            <a:cxnSpLocks/>
-          </p:cNvCxnSpPr>
-          <p:nvPr/>
-        </p:nvCxnSpPr>
-        <p:spPr>
-          <a:xfrm flipH="1">
-            <a:off x="2078182" y="2684585"/>
-            <a:ext cx="3103418" cy="391124"/>
-          </a:xfrm>
-          <a:prstGeom prst="straightConnector1">
-            <a:avLst/>
-          </a:prstGeom>
-          <a:ln w="57150">
-            <a:solidFill>
-              <a:srgbClr val="FF0000"/>
-            </a:solidFill>
-            <a:tailEnd type="triangle"/>
-          </a:ln>
-        </p:spPr>
-        <p:style>
-          <a:lnRef idx="1">
-            <a:schemeClr val="accent1"/>
-          </a:lnRef>
-          <a:fillRef idx="0">
-            <a:schemeClr val="accent1"/>
-          </a:fillRef>
-          <a:effectRef idx="0">
-            <a:schemeClr val="accent1"/>
-          </a:effectRef>
-          <a:fontRef idx="minor">
-            <a:schemeClr val="tx1"/>
-          </a:fontRef>
-        </p:style>
-      </p:cxnSp>
       <p:pic>
         <p:nvPicPr>
           <p:cNvPr id="4" name="그림 3">
@@ -16815,8 +17232,119 @@
         </p:blipFill>
         <p:spPr>
           <a:xfrm>
-            <a:off x="5025807" y="2888071"/>
+            <a:off x="5342330" y="2014444"/>
             <a:ext cx="6389077" cy="3125567"/>
+          </a:xfrm>
+          <a:prstGeom prst="rect">
+            <a:avLst/>
+          </a:prstGeom>
+        </p:spPr>
+      </p:pic>
+      <p:sp>
+        <p:nvSpPr>
+          <p:cNvPr id="9" name="말풍선: 사각형 8">
+            <a:extLst>
+              <a:ext uri="{FF2B5EF4-FFF2-40B4-BE49-F238E27FC236}">
+                <a16:creationId xmlns:a16="http://schemas.microsoft.com/office/drawing/2014/main" id="{77A770D9-5ACC-4D02-B21F-B05CB60B6A96}"/>
+              </a:ext>
+            </a:extLst>
+          </p:cNvPr>
+          <p:cNvSpPr/>
+          <p:nvPr/>
+        </p:nvSpPr>
+        <p:spPr>
+          <a:xfrm>
+            <a:off x="2268490" y="5615673"/>
+            <a:ext cx="7332710" cy="340464"/>
+          </a:xfrm>
+          <a:prstGeom prst="wedgeRectCallout">
+            <a:avLst>
+              <a:gd name="adj1" fmla="val -51822"/>
+              <a:gd name="adj2" fmla="val -425386"/>
+            </a:avLst>
+          </a:prstGeom>
+        </p:spPr>
+        <p:style>
+          <a:lnRef idx="2">
+            <a:schemeClr val="dk1"/>
+          </a:lnRef>
+          <a:fillRef idx="1">
+            <a:schemeClr val="lt1"/>
+          </a:fillRef>
+          <a:effectRef idx="0">
+            <a:schemeClr val="dk1"/>
+          </a:effectRef>
+          <a:fontRef idx="minor">
+            <a:schemeClr val="dk1"/>
+          </a:fontRef>
+        </p:style>
+        <p:txBody>
+          <a:bodyPr rtlCol="0" anchor="ctr"/>
+          <a:lstStyle/>
+          <a:p>
+            <a:pPr algn="ctr"/>
+            <a:r>
+              <a:rPr lang="ko-KR" altLang="en-US" b="1" dirty="0" err="1">
+                <a:solidFill>
+                  <a:schemeClr val="tx1">
+                    <a:lumMod val="75000"/>
+                    <a:lumOff val="25000"/>
+                  </a:schemeClr>
+                </a:solidFill>
+                <a:latin typeface="맑은 고딕" panose="020B0503020000020004" pitchFamily="50" charset="-127"/>
+                <a:ea typeface="맑은 고딕" panose="020B0503020000020004" pitchFamily="50" charset="-127"/>
+              </a:rPr>
+              <a:t>라즈베리파이에서</a:t>
+            </a:r>
+            <a:r>
+              <a:rPr lang="ko-KR" altLang="en-US" b="1" dirty="0">
+                <a:solidFill>
+                  <a:schemeClr val="tx1">
+                    <a:lumMod val="75000"/>
+                    <a:lumOff val="25000"/>
+                  </a:schemeClr>
+                </a:solidFill>
+                <a:latin typeface="맑은 고딕" panose="020B0503020000020004" pitchFamily="50" charset="-127"/>
+                <a:ea typeface="맑은 고딕" panose="020B0503020000020004" pitchFamily="50" charset="-127"/>
+              </a:rPr>
+              <a:t> 차량의 샘플 데이터를 기반으로 로그발생</a:t>
+            </a:r>
+            <a:endParaRPr lang="en-US" altLang="ko-KR" b="1" dirty="0">
+              <a:solidFill>
+                <a:schemeClr val="tx1">
+                  <a:lumMod val="75000"/>
+                  <a:lumOff val="25000"/>
+                </a:schemeClr>
+              </a:solidFill>
+              <a:latin typeface="맑은 고딕" panose="020B0503020000020004" pitchFamily="50" charset="-127"/>
+              <a:ea typeface="맑은 고딕" panose="020B0503020000020004" pitchFamily="50" charset="-127"/>
+            </a:endParaRPr>
+          </a:p>
+        </p:txBody>
+      </p:sp>
+      <p:pic>
+        <p:nvPicPr>
+          <p:cNvPr id="7" name="그림 6">
+            <a:extLst>
+              <a:ext uri="{FF2B5EF4-FFF2-40B4-BE49-F238E27FC236}">
+                <a16:creationId xmlns:a16="http://schemas.microsoft.com/office/drawing/2014/main" id="{6F2956C3-A1FC-4794-9C2D-9025797B35B7}"/>
+              </a:ext>
+            </a:extLst>
+          </p:cNvPr>
+          <p:cNvPicPr>
+            <a:picLocks noChangeAspect="1"/>
+          </p:cNvPicPr>
+          <p:nvPr/>
+        </p:nvPicPr>
+        <p:blipFill rotWithShape="1">
+          <a:blip r:embed="rId4"/>
+          <a:srcRect l="4713" t="55050" r="64894" b="14635"/>
+          <a:stretch/>
+        </p:blipFill>
+        <p:spPr>
+          <a:xfrm>
+            <a:off x="5342331" y="2014445"/>
+            <a:ext cx="6405438" cy="3125566"/>
           </a:xfrm>
           <a:prstGeom prst="rect">
             <a:avLst/>
@@ -16880,35 +17408,26 @@
                                   </p:childTnLst>
                                 </p:cTn>
                               </p:par>
+                            </p:childTnLst>
+                          </p:cTn>
+                        </p:par>
+                      </p:childTnLst>
+                    </p:cTn>
+                  </p:par>
+                  <p:par>
+                    <p:cTn id="7" fill="hold">
+                      <p:stCondLst>
+                        <p:cond delay="indefinite"/>
+                      </p:stCondLst>
+                      <p:childTnLst>
+                        <p:par>
+                          <p:cTn id="8" fill="hold">
+                            <p:stCondLst>
+                              <p:cond delay="0"/>
+                            </p:stCondLst>
+                            <p:childTnLst>
                               <p:par>
-                                <p:cTn id="7" presetID="1" presetClass="entr" presetSubtype="0" fill="hold" grpId="0" nodeType="withEffect">
-                                  <p:stCondLst>
-                                    <p:cond delay="0"/>
-                                  </p:stCondLst>
-                                  <p:childTnLst>
-                                    <p:set>
-                                      <p:cBhvr>
-                                        <p:cTn id="8" dur="1" fill="hold">
-                                          <p:stCondLst>
-                                            <p:cond delay="0"/>
-                                          </p:stCondLst>
-                                        </p:cTn>
-                                        <p:tgtEl>
-                                          <p:spTgt spid="14"/>
-                                        </p:tgtEl>
-                                        <p:attrNameLst>
-                                          <p:attrName>style.visibility</p:attrName>
-                                        </p:attrNameLst>
-                                      </p:cBhvr>
-                                      <p:to>
-                                        <p:strVal val="visible"/>
-                                      </p:to>
-                                    </p:set>
-                                  </p:childTnLst>
-                                </p:cTn>
-                              </p:par>
-                              <p:par>
-                                <p:cTn id="9" presetID="1" presetClass="entr" presetSubtype="0" fill="hold" nodeType="withEffect">
+                                <p:cTn id="9" presetID="1" presetClass="entr" presetSubtype="0" fill="hold" nodeType="clickEffect">
                                   <p:stCondLst>
                                     <p:cond delay="0"/>
                                   </p:stCondLst>
@@ -16921,7 +17440,7 @@
                                           </p:stCondLst>
                                         </p:cTn>
                                         <p:tgtEl>
-                                          <p:spTgt spid="3"/>
+                                          <p:spTgt spid="4"/>
                                         </p:tgtEl>
                                         <p:attrNameLst>
                                           <p:attrName>style.visibility</p:attrName>
@@ -16953,7 +17472,7 @@
                             </p:stCondLst>
                             <p:childTnLst>
                               <p:par>
-                                <p:cTn id="13" presetID="1" presetClass="entr" presetSubtype="0" fill="hold" nodeType="clickEffect">
+                                <p:cTn id="13" presetID="1" presetClass="entr" presetSubtype="0" fill="hold" grpId="0" nodeType="clickEffect">
                                   <p:stCondLst>
                                     <p:cond delay="0"/>
                                   </p:stCondLst>
@@ -16966,7 +17485,52 @@
                                           </p:stCondLst>
                                         </p:cTn>
                                         <p:tgtEl>
-                                          <p:spTgt spid="4"/>
+                                          <p:spTgt spid="9"/>
+                                        </p:tgtEl>
+                                        <p:attrNameLst>
+                                          <p:attrName>style.visibility</p:attrName>
+                                        </p:attrNameLst>
+                                      </p:cBhvr>
+                                      <p:to>
+                                        <p:strVal val="visible"/>
+                                      </p:to>
+                                    </p:set>
+                                  </p:childTnLst>
+                                </p:cTn>
+                              </p:par>
+                            </p:childTnLst>
+                          </p:cTn>
+                        </p:par>
+                      </p:childTnLst>
+                    </p:cTn>
+                  </p:par>
+                  <p:par>
+                    <p:cTn id="15" fill="hold">
+                      <p:stCondLst>
+                        <p:cond delay="indefinite"/>
+                      </p:stCondLst>
+                      <p:childTnLst>
+                        <p:par>
+                          <p:cTn id="16" fill="hold">
+                            <p:stCondLst>
+                              <p:cond delay="0"/>
+                            </p:stCondLst>
+                            <p:childTnLst>
+                              <p:par>
+                                <p:cTn id="17" presetID="1" presetClass="entr" presetSubtype="0" fill="hold" nodeType="clickEffect">
+                                  <p:stCondLst>
+                                    <p:cond delay="0"/>
+                                  </p:stCondLst>
+                                  <p:childTnLst>
+                                    <p:set>
+                                      <p:cBhvr>
+                                        <p:cTn id="18" dur="1" fill="hold">
+                                          <p:stCondLst>
+                                            <p:cond delay="0"/>
+                                          </p:stCondLst>
+                                        </p:cTn>
+                                        <p:tgtEl>
+                                          <p:spTgt spid="7"/>
                                         </p:tgtEl>
                                         <p:attrNameLst>
                                           <p:attrName>style.visibility</p:attrName>
@@ -17007,7 +17571,7 @@
       </p:par>
     </p:tnLst>
     <p:bldLst>
-      <p:bldP spid="14" grpId="0"/>
+      <p:bldP spid="9" grpId="0" animBg="1"/>
     </p:bldLst>
   </p:timing>
 </p:sld>
@@ -17293,245 +17857,6 @@
               </a:lnSpc>
               <a:buNone/>
             </a:pPr>
-            <a:r>
-              <a:rPr lang="ko-KR" altLang="en-US" sz="1600" b="1" dirty="0" err="1">
-                <a:solidFill>
-                  <a:schemeClr val="tx1">
-                    <a:lumMod val="75000"/>
-                    <a:lumOff val="25000"/>
-                  </a:schemeClr>
-                </a:solidFill>
-                <a:latin typeface="맑은 고딕" panose="020B0503020000020004" pitchFamily="50" charset="-127"/>
-                <a:ea typeface="맑은 고딕" panose="020B0503020000020004" pitchFamily="50" charset="-127"/>
-              </a:rPr>
-              <a:t>라즈베리파이에서</a:t>
-            </a:r>
-            <a:r>
-              <a:rPr lang="ko-KR" altLang="en-US" sz="1600" b="1" dirty="0">
-                <a:solidFill>
-                  <a:schemeClr val="tx1">
-                    <a:lumMod val="75000"/>
-                    <a:lumOff val="25000"/>
-                  </a:schemeClr>
-                </a:solidFill>
-                <a:latin typeface="맑은 고딕" panose="020B0503020000020004" pitchFamily="50" charset="-127"/>
-                <a:ea typeface="맑은 고딕" panose="020B0503020000020004" pitchFamily="50" charset="-127"/>
-              </a:rPr>
-              <a:t> 발생된 데이터를 </a:t>
-            </a:r>
-            <a:r>
-              <a:rPr lang="en-US" altLang="ko-KR" sz="1600" b="1" dirty="0">
-                <a:solidFill>
-                  <a:schemeClr val="tx1">
-                    <a:lumMod val="75000"/>
-                    <a:lumOff val="25000"/>
-                  </a:schemeClr>
-                </a:solidFill>
-                <a:latin typeface="맑은 고딕" panose="020B0503020000020004" pitchFamily="50" charset="-127"/>
-                <a:ea typeface="맑은 고딕" panose="020B0503020000020004" pitchFamily="50" charset="-127"/>
-              </a:rPr>
-              <a:t>HDFS </a:t>
-            </a:r>
-            <a:r>
-              <a:rPr lang="ko-KR" altLang="en-US" sz="1600" b="1" dirty="0">
-                <a:solidFill>
-                  <a:schemeClr val="tx1">
-                    <a:lumMod val="75000"/>
-                    <a:lumOff val="25000"/>
-                  </a:schemeClr>
-                </a:solidFill>
-                <a:latin typeface="맑은 고딕" panose="020B0503020000020004" pitchFamily="50" charset="-127"/>
-                <a:ea typeface="맑은 고딕" panose="020B0503020000020004" pitchFamily="50" charset="-127"/>
-              </a:rPr>
-              <a:t>로 전송 후</a:t>
-            </a:r>
-            <a:r>
-              <a:rPr lang="en-US" altLang="ko-KR" sz="1600" b="1" dirty="0">
-                <a:solidFill>
-                  <a:schemeClr val="tx1">
-                    <a:lumMod val="75000"/>
-                    <a:lumOff val="25000"/>
-                  </a:schemeClr>
-                </a:solidFill>
-                <a:latin typeface="맑은 고딕" panose="020B0503020000020004" pitchFamily="50" charset="-127"/>
-                <a:ea typeface="맑은 고딕" panose="020B0503020000020004" pitchFamily="50" charset="-127"/>
-              </a:rPr>
-              <a:t> </a:t>
-            </a:r>
-            <a:r>
-              <a:rPr lang="ko-KR" altLang="en-US" sz="1600" b="1" dirty="0">
-                <a:solidFill>
-                  <a:schemeClr val="tx1">
-                    <a:lumMod val="75000"/>
-                    <a:lumOff val="25000"/>
-                  </a:schemeClr>
-                </a:solidFill>
-                <a:latin typeface="맑은 고딕" panose="020B0503020000020004" pitchFamily="50" charset="-127"/>
-                <a:ea typeface="맑은 고딕" panose="020B0503020000020004" pitchFamily="50" charset="-127"/>
-              </a:rPr>
-              <a:t>필요한 데이터를 정제</a:t>
-            </a:r>
-            <a:endParaRPr lang="en-US" altLang="ko-KR" sz="1600" b="1" dirty="0">
-              <a:solidFill>
-                <a:schemeClr val="tx1">
-                  <a:lumMod val="75000"/>
-                  <a:lumOff val="25000"/>
-                </a:schemeClr>
-              </a:solidFill>
-              <a:latin typeface="맑은 고딕" panose="020B0503020000020004" pitchFamily="50" charset="-127"/>
-              <a:ea typeface="맑은 고딕" panose="020B0503020000020004" pitchFamily="50" charset="-127"/>
-            </a:endParaRPr>
-          </a:p>
-          <a:p>
-            <a:pPr marL="0" indent="0" algn="ctr">
-              <a:lnSpc>
-                <a:spcPct val="100000"/>
-              </a:lnSpc>
-              <a:buNone/>
-            </a:pPr>
-            <a:r>
-              <a:rPr lang="en-US" altLang="ko-KR" sz="1600" b="1" dirty="0">
-                <a:solidFill>
-                  <a:schemeClr val="tx1">
-                    <a:lumMod val="75000"/>
-                    <a:lumOff val="25000"/>
-                  </a:schemeClr>
-                </a:solidFill>
-                <a:latin typeface="맑은 고딕" panose="020B0503020000020004" pitchFamily="50" charset="-127"/>
-                <a:ea typeface="맑은 고딕" panose="020B0503020000020004" pitchFamily="50" charset="-127"/>
-              </a:rPr>
-              <a:t>( RPM, </a:t>
-            </a:r>
-            <a:r>
-              <a:rPr lang="ko-KR" altLang="en-US" sz="1600" b="1" dirty="0">
-                <a:solidFill>
-                  <a:schemeClr val="tx1">
-                    <a:lumMod val="75000"/>
-                    <a:lumOff val="25000"/>
-                  </a:schemeClr>
-                </a:solidFill>
-                <a:latin typeface="맑은 고딕" panose="020B0503020000020004" pitchFamily="50" charset="-127"/>
-                <a:ea typeface="맑은 고딕" panose="020B0503020000020004" pitchFamily="50" charset="-127"/>
-              </a:rPr>
-              <a:t>타이어 공기압</a:t>
-            </a:r>
-            <a:r>
-              <a:rPr lang="en-US" altLang="ko-KR" sz="1600" b="1" dirty="0">
-                <a:solidFill>
-                  <a:schemeClr val="tx1">
-                    <a:lumMod val="75000"/>
-                    <a:lumOff val="25000"/>
-                  </a:schemeClr>
-                </a:solidFill>
-                <a:latin typeface="맑은 고딕" panose="020B0503020000020004" pitchFamily="50" charset="-127"/>
-                <a:ea typeface="맑은 고딕" panose="020B0503020000020004" pitchFamily="50" charset="-127"/>
-              </a:rPr>
-              <a:t>, </a:t>
-            </a:r>
-            <a:r>
-              <a:rPr lang="ko-KR" altLang="en-US" sz="1600" b="1" dirty="0">
-                <a:solidFill>
-                  <a:schemeClr val="tx1">
-                    <a:lumMod val="75000"/>
-                    <a:lumOff val="25000"/>
-                  </a:schemeClr>
-                </a:solidFill>
-                <a:latin typeface="맑은 고딕" panose="020B0503020000020004" pitchFamily="50" charset="-127"/>
-                <a:ea typeface="맑은 고딕" panose="020B0503020000020004" pitchFamily="50" charset="-127"/>
-              </a:rPr>
-              <a:t>속도</a:t>
-            </a:r>
-            <a:r>
-              <a:rPr lang="en-US" altLang="ko-KR" sz="1600" b="1" dirty="0">
-                <a:solidFill>
-                  <a:schemeClr val="tx1">
-                    <a:lumMod val="75000"/>
-                    <a:lumOff val="25000"/>
-                  </a:schemeClr>
-                </a:solidFill>
-                <a:latin typeface="맑은 고딕" panose="020B0503020000020004" pitchFamily="50" charset="-127"/>
-                <a:ea typeface="맑은 고딕" panose="020B0503020000020004" pitchFamily="50" charset="-127"/>
-              </a:rPr>
-              <a:t>,</a:t>
-            </a:r>
-            <a:r>
-              <a:rPr lang="ko-KR" altLang="en-US" sz="1600" b="1" dirty="0">
-                <a:solidFill>
-                  <a:schemeClr val="tx1">
-                    <a:lumMod val="75000"/>
-                    <a:lumOff val="25000"/>
-                  </a:schemeClr>
-                </a:solidFill>
-                <a:latin typeface="맑은 고딕" panose="020B0503020000020004" pitchFamily="50" charset="-127"/>
-                <a:ea typeface="맑은 고딕" panose="020B0503020000020004" pitchFamily="50" charset="-127"/>
-              </a:rPr>
-              <a:t>브레이크가동 횟수 </a:t>
-            </a:r>
-            <a:r>
-              <a:rPr lang="en-US" altLang="ko-KR" sz="1600" b="1" dirty="0">
-                <a:solidFill>
-                  <a:schemeClr val="tx1">
-                    <a:lumMod val="75000"/>
-                    <a:lumOff val="25000"/>
-                  </a:schemeClr>
-                </a:solidFill>
-                <a:latin typeface="맑은 고딕" panose="020B0503020000020004" pitchFamily="50" charset="-127"/>
-                <a:ea typeface="맑은 고딕" panose="020B0503020000020004" pitchFamily="50" charset="-127"/>
-              </a:rPr>
-              <a:t>, </a:t>
-            </a:r>
-            <a:r>
-              <a:rPr lang="ko-KR" altLang="en-US" sz="1600" b="1" dirty="0">
-                <a:solidFill>
-                  <a:schemeClr val="tx1">
-                    <a:lumMod val="75000"/>
-                    <a:lumOff val="25000"/>
-                  </a:schemeClr>
-                </a:solidFill>
-                <a:latin typeface="맑은 고딕" panose="020B0503020000020004" pitchFamily="50" charset="-127"/>
-                <a:ea typeface="맑은 고딕" panose="020B0503020000020004" pitchFamily="50" charset="-127"/>
-              </a:rPr>
-              <a:t>오일 온도</a:t>
-            </a:r>
-            <a:r>
-              <a:rPr lang="en-US" altLang="ko-KR" sz="1600" b="1" dirty="0">
-                <a:solidFill>
-                  <a:schemeClr val="tx1">
-                    <a:lumMod val="75000"/>
-                    <a:lumOff val="25000"/>
-                  </a:schemeClr>
-                </a:solidFill>
-                <a:latin typeface="맑은 고딕" panose="020B0503020000020004" pitchFamily="50" charset="-127"/>
-                <a:ea typeface="맑은 고딕" panose="020B0503020000020004" pitchFamily="50" charset="-127"/>
-              </a:rPr>
-              <a:t>, </a:t>
-            </a:r>
-            <a:r>
-              <a:rPr lang="ko-KR" altLang="en-US" sz="1600" b="1" dirty="0">
-                <a:solidFill>
-                  <a:schemeClr val="tx1">
-                    <a:lumMod val="75000"/>
-                    <a:lumOff val="25000"/>
-                  </a:schemeClr>
-                </a:solidFill>
-                <a:latin typeface="맑은 고딕" panose="020B0503020000020004" pitchFamily="50" charset="-127"/>
-                <a:ea typeface="맑은 고딕" panose="020B0503020000020004" pitchFamily="50" charset="-127"/>
-              </a:rPr>
-              <a:t>차량 기울기 등 </a:t>
-            </a:r>
-            <a:r>
-              <a:rPr lang="en-US" altLang="ko-KR" sz="1600" b="1" dirty="0">
-                <a:solidFill>
-                  <a:schemeClr val="tx1">
-                    <a:lumMod val="75000"/>
-                    <a:lumOff val="25000"/>
-                  </a:schemeClr>
-                </a:solidFill>
-                <a:latin typeface="맑은 고딕" panose="020B0503020000020004" pitchFamily="50" charset="-127"/>
-                <a:ea typeface="맑은 고딕" panose="020B0503020000020004" pitchFamily="50" charset="-127"/>
-              </a:rPr>
-              <a:t>)</a:t>
-            </a:r>
             <a:endParaRPr lang="en-US" altLang="ko-KR" sz="1200" dirty="0">
               <a:solidFill>
                 <a:schemeClr val="tx1">
@@ -17545,50 +17870,6 @@
           </a:p>
         </p:txBody>
       </p:sp>
-      <p:cxnSp>
-        <p:nvCxnSpPr>
-          <p:cNvPr id="7" name="직선 화살표 연결선 6">
-            <a:extLst>
-              <a:ext uri="{FF2B5EF4-FFF2-40B4-BE49-F238E27FC236}">
-                <a16:creationId xmlns:a16="http://schemas.microsoft.com/office/drawing/2014/main" id="{D42442AB-E1BB-4729-90DC-1704EC180B69}"/>
-              </a:ext>
-            </a:extLst>
-          </p:cNvPr>
-          <p:cNvCxnSpPr>
-            <a:cxnSpLocks/>
-          </p:cNvCxnSpPr>
-          <p:nvPr/>
-        </p:nvCxnSpPr>
-        <p:spPr>
-          <a:xfrm flipH="1" flipV="1">
-            <a:off x="1375283" y="4214671"/>
-            <a:ext cx="2717501" cy="1451743"/>
-          </a:xfrm>
-          <a:prstGeom prst="straightConnector1">
-            <a:avLst/>
-          </a:prstGeom>
-          <a:ln w="57150">
-            <a:solidFill>
-              <a:srgbClr val="FF0000"/>
-            </a:solidFill>
-            <a:tailEnd type="triangle"/>
-          </a:ln>
-        </p:spPr>
-        <p:style>
-          <a:lnRef idx="1">
-            <a:schemeClr val="accent1"/>
-          </a:lnRef>
-          <a:fillRef idx="0">
-            <a:schemeClr val="accent1"/>
-          </a:fillRef>
-          <a:effectRef idx="0">
-            <a:schemeClr val="accent1"/>
-          </a:effectRef>
-          <a:fontRef idx="minor">
-            <a:schemeClr val="tx1"/>
-          </a:fontRef>
-        </p:style>
-      </p:cxnSp>
       <p:pic>
         <p:nvPicPr>
           <p:cNvPr id="8" name="그림 7">
@@ -17640,7 +17921,7 @@
         </p:blipFill>
         <p:spPr>
           <a:xfrm>
-            <a:off x="4309449" y="2016154"/>
+            <a:off x="4309449" y="1969262"/>
             <a:ext cx="7397827" cy="2952055"/>
           </a:xfrm>
           <a:prstGeom prst="rect">
@@ -17662,7 +17943,7 @@
         </p:nvSpPr>
         <p:spPr>
           <a:xfrm>
-            <a:off x="4443984" y="2115975"/>
+            <a:off x="4443984" y="2069083"/>
             <a:ext cx="1310640" cy="2877654"/>
           </a:xfrm>
           <a:prstGeom prst="rect">
@@ -17712,7 +17993,7 @@
         </p:nvSpPr>
         <p:spPr>
           <a:xfrm>
-            <a:off x="6684476" y="2109293"/>
+            <a:off x="6684476" y="2062401"/>
             <a:ext cx="973015" cy="2861604"/>
           </a:xfrm>
           <a:prstGeom prst="rect">
@@ -17762,7 +18043,7 @@
         </p:nvSpPr>
         <p:spPr>
           <a:xfrm>
-            <a:off x="7675880" y="2115975"/>
+            <a:off x="7675880" y="2069083"/>
             <a:ext cx="414757" cy="2854922"/>
           </a:xfrm>
           <a:prstGeom prst="rect">
@@ -17812,7 +18093,7 @@
         </p:nvSpPr>
         <p:spPr>
           <a:xfrm>
-            <a:off x="8785143" y="2100001"/>
+            <a:off x="8785143" y="2053109"/>
             <a:ext cx="329094" cy="2864027"/>
           </a:xfrm>
           <a:prstGeom prst="rect">
@@ -17862,7 +18143,7 @@
         </p:nvSpPr>
         <p:spPr>
           <a:xfrm>
-            <a:off x="9138921" y="2109293"/>
+            <a:off x="9138921" y="2062401"/>
             <a:ext cx="350520" cy="2861604"/>
           </a:xfrm>
           <a:prstGeom prst="rect">
@@ -17912,7 +18193,7 @@
         </p:nvSpPr>
         <p:spPr>
           <a:xfrm>
-            <a:off x="9807808" y="2099924"/>
+            <a:off x="9807808" y="2053032"/>
             <a:ext cx="350520" cy="2877654"/>
           </a:xfrm>
           <a:prstGeom prst="rect">
@@ -17962,7 +18243,7 @@
         </p:nvSpPr>
         <p:spPr>
           <a:xfrm>
-            <a:off x="10166885" y="2101808"/>
+            <a:off x="10166885" y="2054916"/>
             <a:ext cx="350520" cy="2877654"/>
           </a:xfrm>
           <a:prstGeom prst="rect">
@@ -18012,7 +18293,7 @@
         </p:nvSpPr>
         <p:spPr>
           <a:xfrm>
-            <a:off x="10515335" y="2101808"/>
+            <a:off x="10515335" y="2054916"/>
             <a:ext cx="350520" cy="2877654"/>
           </a:xfrm>
           <a:prstGeom prst="rect">
@@ -18062,7 +18343,7 @@
         </p:nvSpPr>
         <p:spPr>
           <a:xfrm>
-            <a:off x="10865855" y="2109293"/>
+            <a:off x="10865855" y="2062401"/>
             <a:ext cx="350520" cy="2877654"/>
           </a:xfrm>
           <a:prstGeom prst="rect">
@@ -18112,7 +18393,7 @@
         </p:nvSpPr>
         <p:spPr>
           <a:xfrm>
-            <a:off x="11224064" y="2109293"/>
+            <a:off x="11224064" y="2062401"/>
             <a:ext cx="350520" cy="2877654"/>
           </a:xfrm>
           <a:prstGeom prst="rect">
@@ -18174,7 +18455,7 @@
         </p:blipFill>
         <p:spPr>
           <a:xfrm>
-            <a:off x="1173271" y="4591304"/>
+            <a:off x="100694" y="3959342"/>
             <a:ext cx="1161125" cy="907129"/>
           </a:xfrm>
           <a:prstGeom prst="rect">
@@ -18204,7 +18485,7 @@
         </p:blipFill>
         <p:spPr>
           <a:xfrm>
-            <a:off x="3172173" y="3845759"/>
+            <a:off x="2887387" y="3834619"/>
             <a:ext cx="1059729" cy="953756"/>
           </a:xfrm>
           <a:prstGeom prst="rect">
@@ -18226,8 +18507,8 @@
         </p:nvSpPr>
         <p:spPr>
           <a:xfrm>
-            <a:off x="5138910" y="5067737"/>
-            <a:ext cx="4419800" cy="369332"/>
+            <a:off x="4154120" y="4969650"/>
+            <a:ext cx="7827784" cy="646331"/>
           </a:xfrm>
           <a:prstGeom prst="rect">
             <a:avLst/>
@@ -18248,18 +18529,103 @@
                 <a:latin typeface="맑은 고딕" panose="020B0503020000020004" pitchFamily="50" charset="-127"/>
                 <a:ea typeface="맑은 고딕" panose="020B0503020000020004" pitchFamily="50" charset="-127"/>
               </a:rPr>
-              <a:t>차량 연비 관련 데이터</a:t>
+              <a:t>차량 연비 관련 데이터 </a:t>
             </a:r>
             <a:r>
               <a:rPr lang="en-US" altLang="ko-KR" dirty="0">
+                <a:solidFill>
+                  <a:srgbClr val="FF0000"/>
+                </a:solidFill>
                 <a:latin typeface="맑은 고딕" panose="020B0503020000020004" pitchFamily="50" charset="-127"/>
                 <a:ea typeface="맑은 고딕" panose="020B0503020000020004" pitchFamily="50" charset="-127"/>
               </a:rPr>
+              <a:t>(</a:t>
+            </a:r>
+            <a:r>
+              <a:rPr lang="ko-KR" altLang="en-US" dirty="0">
+                <a:solidFill>
+                  <a:srgbClr val="FF0000"/>
+                </a:solidFill>
+                <a:latin typeface="맑은 고딕" panose="020B0503020000020004" pitchFamily="50" charset="-127"/>
+                <a:ea typeface="맑은 고딕" panose="020B0503020000020004" pitchFamily="50" charset="-127"/>
+              </a:rPr>
+              <a:t>평균 속도</a:t>
+            </a:r>
+            <a:r>
+              <a:rPr lang="en-US" altLang="ko-KR" dirty="0">
+                <a:solidFill>
+                  <a:srgbClr val="FF0000"/>
+                </a:solidFill>
+                <a:latin typeface="맑은 고딕" panose="020B0503020000020004" pitchFamily="50" charset="-127"/>
+                <a:ea typeface="맑은 고딕" panose="020B0503020000020004" pitchFamily="50" charset="-127"/>
+              </a:rPr>
               <a:t>, </a:t>
             </a:r>
             <a:r>
               <a:rPr lang="ko-KR" altLang="en-US" dirty="0">
                 <a:solidFill>
+                  <a:srgbClr val="FF0000"/>
+                </a:solidFill>
+                <a:latin typeface="맑은 고딕" panose="020B0503020000020004" pitchFamily="50" charset="-127"/>
+                <a:ea typeface="맑은 고딕" panose="020B0503020000020004" pitchFamily="50" charset="-127"/>
+              </a:rPr>
+              <a:t>주행 거리</a:t>
+            </a:r>
+            <a:r>
+              <a:rPr lang="en-US" altLang="ko-KR" dirty="0">
+                <a:solidFill>
+                  <a:srgbClr val="FF0000"/>
+                </a:solidFill>
+                <a:latin typeface="맑은 고딕" panose="020B0503020000020004" pitchFamily="50" charset="-127"/>
+                <a:ea typeface="맑은 고딕" panose="020B0503020000020004" pitchFamily="50" charset="-127"/>
+              </a:rPr>
+              <a:t>, </a:t>
+            </a:r>
+            <a:r>
+              <a:rPr lang="ko-KR" altLang="en-US" dirty="0">
+                <a:solidFill>
+                  <a:srgbClr val="FF0000"/>
+                </a:solidFill>
+                <a:latin typeface="맑은 고딕" panose="020B0503020000020004" pitchFamily="50" charset="-127"/>
+                <a:ea typeface="맑은 고딕" panose="020B0503020000020004" pitchFamily="50" charset="-127"/>
+              </a:rPr>
+              <a:t>연료 소모량</a:t>
+            </a:r>
+            <a:r>
+              <a:rPr lang="en-US" altLang="ko-KR" dirty="0">
+                <a:solidFill>
+                  <a:srgbClr val="FF0000"/>
+                </a:solidFill>
+                <a:latin typeface="맑은 고딕" panose="020B0503020000020004" pitchFamily="50" charset="-127"/>
+                <a:ea typeface="맑은 고딕" panose="020B0503020000020004" pitchFamily="50" charset="-127"/>
+              </a:rPr>
+              <a:t>, RPM </a:t>
+            </a:r>
+            <a:r>
+              <a:rPr lang="ko-KR" altLang="en-US" dirty="0">
+                <a:solidFill>
+                  <a:srgbClr val="FF0000"/>
+                </a:solidFill>
+                <a:latin typeface="맑은 고딕" panose="020B0503020000020004" pitchFamily="50" charset="-127"/>
+                <a:ea typeface="맑은 고딕" panose="020B0503020000020004" pitchFamily="50" charset="-127"/>
+              </a:rPr>
+              <a:t>등</a:t>
+            </a:r>
+            <a:r>
+              <a:rPr lang="en-US" altLang="ko-KR" dirty="0">
+                <a:solidFill>
+                  <a:srgbClr val="FF0000"/>
+                </a:solidFill>
+                <a:latin typeface="맑은 고딕" panose="020B0503020000020004" pitchFamily="50" charset="-127"/>
+                <a:ea typeface="맑은 고딕" panose="020B0503020000020004" pitchFamily="50" charset="-127"/>
+              </a:rPr>
+              <a:t>)</a:t>
+            </a:r>
+          </a:p>
+          <a:p>
+            <a:r>
+              <a:rPr lang="ko-KR" altLang="en-US" dirty="0">
+                <a:solidFill>
                   <a:srgbClr val="0070C0"/>
                 </a:solidFill>
                 <a:latin typeface="맑은 고딕" panose="020B0503020000020004" pitchFamily="50" charset="-127"/>
@@ -18267,6 +18633,393 @@
               </a:rPr>
               <a:t>차량 부품 데이터</a:t>
             </a:r>
+            <a:r>
+              <a:rPr lang="en-US" altLang="ko-KR" dirty="0">
+                <a:solidFill>
+                  <a:srgbClr val="0070C0"/>
+                </a:solidFill>
+                <a:latin typeface="맑은 고딕" panose="020B0503020000020004" pitchFamily="50" charset="-127"/>
+                <a:ea typeface="맑은 고딕" panose="020B0503020000020004" pitchFamily="50" charset="-127"/>
+              </a:rPr>
+              <a:t>		 (</a:t>
+            </a:r>
+            <a:r>
+              <a:rPr lang="ko-KR" altLang="en-US" dirty="0">
+                <a:solidFill>
+                  <a:srgbClr val="0070C0"/>
+                </a:solidFill>
+                <a:latin typeface="맑은 고딕" panose="020B0503020000020004" pitchFamily="50" charset="-127"/>
+                <a:ea typeface="맑은 고딕" panose="020B0503020000020004" pitchFamily="50" charset="-127"/>
+              </a:rPr>
+              <a:t>차량 기울기</a:t>
+            </a:r>
+            <a:r>
+              <a:rPr lang="en-US" altLang="ko-KR" dirty="0">
+                <a:solidFill>
+                  <a:srgbClr val="0070C0"/>
+                </a:solidFill>
+                <a:latin typeface="맑은 고딕" panose="020B0503020000020004" pitchFamily="50" charset="-127"/>
+                <a:ea typeface="맑은 고딕" panose="020B0503020000020004" pitchFamily="50" charset="-127"/>
+              </a:rPr>
+              <a:t>,</a:t>
+            </a:r>
+            <a:r>
+              <a:rPr lang="ko-KR" altLang="en-US" dirty="0">
+                <a:solidFill>
+                  <a:srgbClr val="0070C0"/>
+                </a:solidFill>
+                <a:latin typeface="맑은 고딕" panose="020B0503020000020004" pitchFamily="50" charset="-127"/>
+                <a:ea typeface="맑은 고딕" panose="020B0503020000020004" pitchFamily="50" charset="-127"/>
+              </a:rPr>
+              <a:t> 촉매 온도</a:t>
+            </a:r>
+            <a:r>
+              <a:rPr lang="en-US" altLang="ko-KR" dirty="0">
+                <a:solidFill>
+                  <a:srgbClr val="0070C0"/>
+                </a:solidFill>
+                <a:latin typeface="맑은 고딕" panose="020B0503020000020004" pitchFamily="50" charset="-127"/>
+                <a:ea typeface="맑은 고딕" panose="020B0503020000020004" pitchFamily="50" charset="-127"/>
+              </a:rPr>
+              <a:t>, </a:t>
+            </a:r>
+            <a:r>
+              <a:rPr lang="ko-KR" altLang="en-US" dirty="0">
+                <a:solidFill>
+                  <a:srgbClr val="0070C0"/>
+                </a:solidFill>
+                <a:latin typeface="맑은 고딕" panose="020B0503020000020004" pitchFamily="50" charset="-127"/>
+                <a:ea typeface="맑은 고딕" panose="020B0503020000020004" pitchFamily="50" charset="-127"/>
+              </a:rPr>
+              <a:t>연료 소모량</a:t>
+            </a:r>
+            <a:r>
+              <a:rPr lang="en-US" altLang="ko-KR" dirty="0">
+                <a:solidFill>
+                  <a:srgbClr val="0070C0"/>
+                </a:solidFill>
+                <a:latin typeface="맑은 고딕" panose="020B0503020000020004" pitchFamily="50" charset="-127"/>
+                <a:ea typeface="맑은 고딕" panose="020B0503020000020004" pitchFamily="50" charset="-127"/>
+              </a:rPr>
+              <a:t>, </a:t>
+            </a:r>
+            <a:r>
+              <a:rPr lang="ko-KR" altLang="en-US" dirty="0">
+                <a:solidFill>
+                  <a:srgbClr val="0070C0"/>
+                </a:solidFill>
+                <a:latin typeface="맑은 고딕" panose="020B0503020000020004" pitchFamily="50" charset="-127"/>
+                <a:ea typeface="맑은 고딕" panose="020B0503020000020004" pitchFamily="50" charset="-127"/>
+              </a:rPr>
+              <a:t>흡기온도 등</a:t>
+            </a:r>
+            <a:r>
+              <a:rPr lang="en-US" altLang="ko-KR" dirty="0">
+                <a:solidFill>
+                  <a:srgbClr val="0070C0"/>
+                </a:solidFill>
+                <a:latin typeface="맑은 고딕" panose="020B0503020000020004" pitchFamily="50" charset="-127"/>
+                <a:ea typeface="맑은 고딕" panose="020B0503020000020004" pitchFamily="50" charset="-127"/>
+              </a:rPr>
+              <a:t>)</a:t>
+            </a:r>
+            <a:endParaRPr lang="ko-KR" altLang="en-US" dirty="0">
+              <a:solidFill>
+                <a:srgbClr val="0070C0"/>
+              </a:solidFill>
+              <a:latin typeface="맑은 고딕" panose="020B0503020000020004" pitchFamily="50" charset="-127"/>
+              <a:ea typeface="맑은 고딕" panose="020B0503020000020004" pitchFamily="50" charset="-127"/>
+            </a:endParaRPr>
+          </a:p>
+        </p:txBody>
+      </p:sp>
+      <p:sp>
+        <p:nvSpPr>
+          <p:cNvPr id="22" name="말풍선: 사각형 21">
+            <a:extLst>
+              <a:ext uri="{FF2B5EF4-FFF2-40B4-BE49-F238E27FC236}">
+                <a16:creationId xmlns:a16="http://schemas.microsoft.com/office/drawing/2014/main" id="{E24CCAF6-CD29-4F5E-A1AF-312472B1CC26}"/>
+              </a:ext>
+            </a:extLst>
+          </p:cNvPr>
+          <p:cNvSpPr/>
+          <p:nvPr/>
+        </p:nvSpPr>
+        <p:spPr>
+          <a:xfrm>
+            <a:off x="262507" y="5662873"/>
+            <a:ext cx="8093884" cy="795930"/>
+          </a:xfrm>
+          <a:prstGeom prst="wedgeRectCallout">
+            <a:avLst>
+              <a:gd name="adj1" fmla="val -36265"/>
+              <a:gd name="adj2" fmla="val -273090"/>
+            </a:avLst>
+          </a:prstGeom>
+        </p:spPr>
+        <p:style>
+          <a:lnRef idx="2">
+            <a:schemeClr val="dk1"/>
+          </a:lnRef>
+          <a:fillRef idx="1">
+            <a:schemeClr val="lt1"/>
+          </a:fillRef>
+          <a:effectRef idx="0">
+            <a:schemeClr val="dk1"/>
+          </a:effectRef>
+          <a:fontRef idx="minor">
+            <a:schemeClr val="dk1"/>
+          </a:fontRef>
+        </p:style>
+        <p:txBody>
+          <a:bodyPr rtlCol="0" anchor="ctr"/>
+          <a:lstStyle/>
+          <a:p>
+            <a:pPr algn="ctr"/>
+            <a:r>
+              <a:rPr lang="ko-KR" altLang="en-US" b="1" dirty="0" err="1">
+                <a:solidFill>
+                  <a:schemeClr val="tx1">
+                    <a:lumMod val="75000"/>
+                    <a:lumOff val="25000"/>
+                  </a:schemeClr>
+                </a:solidFill>
+                <a:latin typeface="맑은 고딕" panose="020B0503020000020004" pitchFamily="50" charset="-127"/>
+                <a:ea typeface="맑은 고딕" panose="020B0503020000020004" pitchFamily="50" charset="-127"/>
+              </a:rPr>
+              <a:t>라즈베리파이에서</a:t>
+            </a:r>
+            <a:r>
+              <a:rPr lang="ko-KR" altLang="en-US" b="1" dirty="0">
+                <a:solidFill>
+                  <a:schemeClr val="tx1">
+                    <a:lumMod val="75000"/>
+                    <a:lumOff val="25000"/>
+                  </a:schemeClr>
+                </a:solidFill>
+                <a:latin typeface="맑은 고딕" panose="020B0503020000020004" pitchFamily="50" charset="-127"/>
+                <a:ea typeface="맑은 고딕" panose="020B0503020000020004" pitchFamily="50" charset="-127"/>
+              </a:rPr>
+              <a:t> 발생된 데이터를 </a:t>
+            </a:r>
+            <a:r>
+              <a:rPr lang="en-US" altLang="ko-KR" b="1" dirty="0">
+                <a:solidFill>
+                  <a:schemeClr val="tx1">
+                    <a:lumMod val="75000"/>
+                    <a:lumOff val="25000"/>
+                  </a:schemeClr>
+                </a:solidFill>
+                <a:latin typeface="맑은 고딕" panose="020B0503020000020004" pitchFamily="50" charset="-127"/>
+                <a:ea typeface="맑은 고딕" panose="020B0503020000020004" pitchFamily="50" charset="-127"/>
+              </a:rPr>
+              <a:t>HDFS </a:t>
+            </a:r>
+            <a:r>
+              <a:rPr lang="ko-KR" altLang="en-US" b="1" dirty="0">
+                <a:solidFill>
+                  <a:schemeClr val="tx1">
+                    <a:lumMod val="75000"/>
+                    <a:lumOff val="25000"/>
+                  </a:schemeClr>
+                </a:solidFill>
+                <a:latin typeface="맑은 고딕" panose="020B0503020000020004" pitchFamily="50" charset="-127"/>
+                <a:ea typeface="맑은 고딕" panose="020B0503020000020004" pitchFamily="50" charset="-127"/>
+              </a:rPr>
+              <a:t>로 전송 후</a:t>
+            </a:r>
+            <a:r>
+              <a:rPr lang="en-US" altLang="ko-KR" b="1" dirty="0">
+                <a:solidFill>
+                  <a:schemeClr val="tx1">
+                    <a:lumMod val="75000"/>
+                    <a:lumOff val="25000"/>
+                  </a:schemeClr>
+                </a:solidFill>
+                <a:latin typeface="맑은 고딕" panose="020B0503020000020004" pitchFamily="50" charset="-127"/>
+                <a:ea typeface="맑은 고딕" panose="020B0503020000020004" pitchFamily="50" charset="-127"/>
+              </a:rPr>
+              <a:t> </a:t>
+            </a:r>
+            <a:r>
+              <a:rPr lang="ko-KR" altLang="en-US" b="1" dirty="0">
+                <a:solidFill>
+                  <a:schemeClr val="tx1">
+                    <a:lumMod val="75000"/>
+                    <a:lumOff val="25000"/>
+                  </a:schemeClr>
+                </a:solidFill>
+                <a:latin typeface="맑은 고딕" panose="020B0503020000020004" pitchFamily="50" charset="-127"/>
+                <a:ea typeface="맑은 고딕" panose="020B0503020000020004" pitchFamily="50" charset="-127"/>
+              </a:rPr>
+              <a:t>필요한 데이터를 정제</a:t>
+            </a:r>
+            <a:endParaRPr lang="en-US" altLang="ko-KR" b="1" dirty="0">
+              <a:solidFill>
+                <a:schemeClr val="tx1">
+                  <a:lumMod val="75000"/>
+                  <a:lumOff val="25000"/>
+                </a:schemeClr>
+              </a:solidFill>
+              <a:latin typeface="맑은 고딕" panose="020B0503020000020004" pitchFamily="50" charset="-127"/>
+              <a:ea typeface="맑은 고딕" panose="020B0503020000020004" pitchFamily="50" charset="-127"/>
+            </a:endParaRPr>
+          </a:p>
+          <a:p>
+            <a:pPr algn="ctr"/>
+            <a:r>
+              <a:rPr lang="en-US" altLang="ko-KR" b="1" dirty="0">
+                <a:solidFill>
+                  <a:schemeClr val="tx1">
+                    <a:lumMod val="75000"/>
+                    <a:lumOff val="25000"/>
+                  </a:schemeClr>
+                </a:solidFill>
+                <a:latin typeface="맑은 고딕" panose="020B0503020000020004" pitchFamily="50" charset="-127"/>
+                <a:ea typeface="맑은 고딕" panose="020B0503020000020004" pitchFamily="50" charset="-127"/>
+              </a:rPr>
+              <a:t>( RPM, </a:t>
+            </a:r>
+            <a:r>
+              <a:rPr lang="ko-KR" altLang="en-US" b="1" dirty="0">
+                <a:solidFill>
+                  <a:schemeClr val="tx1">
+                    <a:lumMod val="75000"/>
+                    <a:lumOff val="25000"/>
+                  </a:schemeClr>
+                </a:solidFill>
+                <a:latin typeface="맑은 고딕" panose="020B0503020000020004" pitchFamily="50" charset="-127"/>
+                <a:ea typeface="맑은 고딕" panose="020B0503020000020004" pitchFamily="50" charset="-127"/>
+              </a:rPr>
+              <a:t>타이어 공기압</a:t>
+            </a:r>
+            <a:r>
+              <a:rPr lang="en-US" altLang="ko-KR" b="1" dirty="0">
+                <a:solidFill>
+                  <a:schemeClr val="tx1">
+                    <a:lumMod val="75000"/>
+                    <a:lumOff val="25000"/>
+                  </a:schemeClr>
+                </a:solidFill>
+                <a:latin typeface="맑은 고딕" panose="020B0503020000020004" pitchFamily="50" charset="-127"/>
+                <a:ea typeface="맑은 고딕" panose="020B0503020000020004" pitchFamily="50" charset="-127"/>
+              </a:rPr>
+              <a:t>, </a:t>
+            </a:r>
+            <a:r>
+              <a:rPr lang="ko-KR" altLang="en-US" b="1" dirty="0">
+                <a:solidFill>
+                  <a:schemeClr val="tx1">
+                    <a:lumMod val="75000"/>
+                    <a:lumOff val="25000"/>
+                  </a:schemeClr>
+                </a:solidFill>
+                <a:latin typeface="맑은 고딕" panose="020B0503020000020004" pitchFamily="50" charset="-127"/>
+                <a:ea typeface="맑은 고딕" panose="020B0503020000020004" pitchFamily="50" charset="-127"/>
+              </a:rPr>
+              <a:t>속도</a:t>
+            </a:r>
+            <a:r>
+              <a:rPr lang="en-US" altLang="ko-KR" b="1" dirty="0">
+                <a:solidFill>
+                  <a:schemeClr val="tx1">
+                    <a:lumMod val="75000"/>
+                    <a:lumOff val="25000"/>
+                  </a:schemeClr>
+                </a:solidFill>
+                <a:latin typeface="맑은 고딕" panose="020B0503020000020004" pitchFamily="50" charset="-127"/>
+                <a:ea typeface="맑은 고딕" panose="020B0503020000020004" pitchFamily="50" charset="-127"/>
+              </a:rPr>
+              <a:t>,</a:t>
+            </a:r>
+            <a:r>
+              <a:rPr lang="ko-KR" altLang="en-US" b="1" dirty="0">
+                <a:solidFill>
+                  <a:schemeClr val="tx1">
+                    <a:lumMod val="75000"/>
+                    <a:lumOff val="25000"/>
+                  </a:schemeClr>
+                </a:solidFill>
+                <a:latin typeface="맑은 고딕" panose="020B0503020000020004" pitchFamily="50" charset="-127"/>
+                <a:ea typeface="맑은 고딕" panose="020B0503020000020004" pitchFamily="50" charset="-127"/>
+              </a:rPr>
+              <a:t>브레이크가동 횟수 </a:t>
+            </a:r>
+            <a:r>
+              <a:rPr lang="en-US" altLang="ko-KR" b="1" dirty="0">
+                <a:solidFill>
+                  <a:schemeClr val="tx1">
+                    <a:lumMod val="75000"/>
+                    <a:lumOff val="25000"/>
+                  </a:schemeClr>
+                </a:solidFill>
+                <a:latin typeface="맑은 고딕" panose="020B0503020000020004" pitchFamily="50" charset="-127"/>
+                <a:ea typeface="맑은 고딕" panose="020B0503020000020004" pitchFamily="50" charset="-127"/>
+              </a:rPr>
+              <a:t>, </a:t>
+            </a:r>
+            <a:r>
+              <a:rPr lang="ko-KR" altLang="en-US" b="1" dirty="0">
+                <a:solidFill>
+                  <a:schemeClr val="tx1">
+                    <a:lumMod val="75000"/>
+                    <a:lumOff val="25000"/>
+                  </a:schemeClr>
+                </a:solidFill>
+                <a:latin typeface="맑은 고딕" panose="020B0503020000020004" pitchFamily="50" charset="-127"/>
+                <a:ea typeface="맑은 고딕" panose="020B0503020000020004" pitchFamily="50" charset="-127"/>
+              </a:rPr>
+              <a:t>오일 온도</a:t>
+            </a:r>
+            <a:r>
+              <a:rPr lang="en-US" altLang="ko-KR" b="1" dirty="0">
+                <a:solidFill>
+                  <a:schemeClr val="tx1">
+                    <a:lumMod val="75000"/>
+                    <a:lumOff val="25000"/>
+                  </a:schemeClr>
+                </a:solidFill>
+                <a:latin typeface="맑은 고딕" panose="020B0503020000020004" pitchFamily="50" charset="-127"/>
+                <a:ea typeface="맑은 고딕" panose="020B0503020000020004" pitchFamily="50" charset="-127"/>
+              </a:rPr>
+              <a:t>, </a:t>
+            </a:r>
+            <a:r>
+              <a:rPr lang="ko-KR" altLang="en-US" b="1" dirty="0">
+                <a:solidFill>
+                  <a:schemeClr val="tx1">
+                    <a:lumMod val="75000"/>
+                    <a:lumOff val="25000"/>
+                  </a:schemeClr>
+                </a:solidFill>
+                <a:latin typeface="맑은 고딕" panose="020B0503020000020004" pitchFamily="50" charset="-127"/>
+                <a:ea typeface="맑은 고딕" panose="020B0503020000020004" pitchFamily="50" charset="-127"/>
+              </a:rPr>
+              <a:t>차량 기울기 등 </a:t>
+            </a:r>
+            <a:r>
+              <a:rPr lang="en-US" altLang="ko-KR" b="1" dirty="0">
+                <a:solidFill>
+                  <a:schemeClr val="tx1">
+                    <a:lumMod val="75000"/>
+                    <a:lumOff val="25000"/>
+                  </a:schemeClr>
+                </a:solidFill>
+                <a:latin typeface="맑은 고딕" panose="020B0503020000020004" pitchFamily="50" charset="-127"/>
+                <a:ea typeface="맑은 고딕" panose="020B0503020000020004" pitchFamily="50" charset="-127"/>
+              </a:rPr>
+              <a:t>)</a:t>
+            </a:r>
+            <a:endParaRPr lang="en-US" altLang="ko-KR" sz="1400" dirty="0">
+              <a:solidFill>
+                <a:schemeClr val="tx1">
+                  <a:lumMod val="75000"/>
+                  <a:lumOff val="25000"/>
+                </a:schemeClr>
+              </a:solidFill>
+              <a:latin typeface="맑은 고딕" panose="020B0503020000020004" pitchFamily="50" charset="-127"/>
+              <a:ea typeface="맑은 고딕" panose="020B0503020000020004" pitchFamily="50" charset="-127"/>
+            </a:endParaRPr>
           </a:p>
         </p:txBody>
       </p:sp>
@@ -18301,10 +19054,15 @@
                             </p:stCondLst>
                             <p:childTnLst>
                               <p:par>
-                                <p:cTn id="5" presetID="1" presetClass="entr" presetSubtype="0" fill="hold" nodeType="clickEffect">
+                                <p:cTn id="5" presetID="1" presetClass="entr" presetSubtype="0" fill="hold" nodeType="clickEffect" nodePh="1">
                                   <p:stCondLst>
                                     <p:cond delay="0"/>
                                   </p:stCondLst>
+                                  <p:endCondLst>
+                                    <p:cond evt="begin" delay="0">
+                                      <p:tn val="5"/>
+                                    </p:cond>
+                                  </p:endCondLst>
                                   <p:childTnLst>
                                     <p:set>
                                       <p:cBhvr>
@@ -18314,7 +19072,11 @@
                                           </p:stCondLst>
                                         </p:cTn>
                                         <p:tgtEl>
-                                          <p:spTgt spid="7"/>
+                                          <p:spTgt spid="6">
+                                            <p:txEl>
+                                              <p:pRg st="0" end="0"/>
+                                            </p:txEl>
+                                          </p:spTgt>
                                         </p:tgtEl>
                                         <p:attrNameLst>
                                           <p:attrName>style.visibility</p:attrName>
@@ -18341,11 +19103,7 @@
                                           </p:stCondLst>
                                         </p:cTn>
                                         <p:tgtEl>
-                                          <p:spTgt spid="6">
-                                            <p:txEl>
-                                              <p:pRg st="0" end="0"/>
-                                            </p:txEl>
-                                          </p:spTgt>
+                                          <p:spTgt spid="8"/>
                                         </p:tgtEl>
                                         <p:attrNameLst>
                                           <p:attrName>style.visibility</p:attrName>
@@ -18372,11 +19130,7 @@
                                           </p:stCondLst>
                                         </p:cTn>
                                         <p:tgtEl>
-                                          <p:spTgt spid="6">
-                                            <p:txEl>
-                                              <p:pRg st="1" end="1"/>
-                                            </p:txEl>
-                                          </p:spTgt>
+                                          <p:spTgt spid="3"/>
                                         </p:tgtEl>
                                         <p:attrNameLst>
                                           <p:attrName>style.visibility</p:attrName>
@@ -18403,7 +19157,7 @@
                                           </p:stCondLst>
                                         </p:cTn>
                                         <p:tgtEl>
-                                          <p:spTgt spid="8"/>
+                                          <p:spTgt spid="4"/>
                                         </p:tgtEl>
                                         <p:attrNameLst>
                                           <p:attrName>style.visibility</p:attrName>
@@ -18416,35 +19170,26 @@
                                   </p:childTnLst>
                                 </p:cTn>
                               </p:par>
+                            </p:childTnLst>
+                          </p:cTn>
+                        </p:par>
+                      </p:childTnLst>
+                    </p:cTn>
+                  </p:par>
+                  <p:par>
+                    <p:cTn id="13" fill="hold">
+                      <p:stCondLst>
+                        <p:cond delay="indefinite"/>
+                      </p:stCondLst>
+                      <p:childTnLst>
+                        <p:par>
+                          <p:cTn id="14" fill="hold">
+                            <p:stCondLst>
+                              <p:cond delay="0"/>
+                            </p:stCondLst>
+                            <p:childTnLst>
                               <p:par>
-                                <p:cTn id="13" presetID="1" presetClass="entr" presetSubtype="0" fill="hold" nodeType="withEffect">
-                                  <p:stCondLst>
-                                    <p:cond delay="0"/>
-                                  </p:stCondLst>
-                                  <p:childTnLst>
-                                    <p:set>
-                                      <p:cBhvr>
-                                        <p:cTn id="14" dur="1" fill="hold">
-                                          <p:stCondLst>
-                                            <p:cond delay="0"/>
-                                          </p:stCondLst>
-                                        </p:cTn>
-                                        <p:tgtEl>
-                                          <p:spTgt spid="3"/>
-                                        </p:tgtEl>
-                                        <p:attrNameLst>
-                                          <p:attrName>style.visibility</p:attrName>
-                                        </p:attrNameLst>
-                                      </p:cBhvr>
-                                      <p:to>
-                                        <p:strVal val="visible"/>
-                                      </p:to>
-                                    </p:set>
-                                  </p:childTnLst>
-                                </p:cTn>
-                              </p:par>
-                              <p:par>
-                                <p:cTn id="15" presetID="1" presetClass="entr" presetSubtype="0" fill="hold" nodeType="withEffect">
+                                <p:cTn id="15" presetID="1" presetClass="entr" presetSubtype="0" fill="hold" grpId="0" nodeType="clickEffect">
                                   <p:stCondLst>
                                     <p:cond delay="0"/>
                                   </p:stCondLst>
@@ -18457,7 +19202,7 @@
                                           </p:stCondLst>
                                         </p:cTn>
                                         <p:tgtEl>
-                                          <p:spTgt spid="4"/>
+                                          <p:spTgt spid="22"/>
                                         </p:tgtEl>
                                         <p:attrNameLst>
                                           <p:attrName>style.visibility</p:attrName>
@@ -18887,6 +19632,7 @@
       <p:bldP spid="19" grpId="0" animBg="1"/>
       <p:bldP spid="20" grpId="0" animBg="1"/>
       <p:bldP spid="10" grpId="0"/>
+      <p:bldP spid="22" grpId="0" animBg="1"/>
     </p:bldLst>
   </p:timing>
 </p:sld>
@@ -18947,522 +19693,6 @@
       </p:sp>
       <p:sp>
         <p:nvSpPr>
-          <p:cNvPr id="19" name="텍스트 개체 틀 2">
-            <a:extLst>
-              <a:ext uri="{FF2B5EF4-FFF2-40B4-BE49-F238E27FC236}">
-                <a16:creationId xmlns:a16="http://schemas.microsoft.com/office/drawing/2014/main" id="{67A5C090-BDAC-493B-9D90-F21822E6596E}"/>
-              </a:ext>
-            </a:extLst>
-          </p:cNvPr>
-          <p:cNvSpPr txBox="1">
-            <a:spLocks/>
-          </p:cNvSpPr>
-          <p:nvPr/>
-        </p:nvSpPr>
-        <p:spPr>
-          <a:xfrm>
-            <a:off x="6717601" y="5159297"/>
-            <a:ext cx="4737666" cy="795930"/>
-          </a:xfrm>
-          <a:prstGeom prst="rect">
-            <a:avLst/>
-          </a:prstGeom>
-        </p:spPr>
-        <p:txBody>
-          <a:bodyPr/>
-          <a:lstStyle>
-            <a:lvl1pPr marL="228600" indent="-228600" algn="l" defTabSz="914400" rtl="0" eaLnBrk="1" latinLnBrk="1" hangingPunct="1">
-              <a:lnSpc>
-                <a:spcPct val="90000"/>
-              </a:lnSpc>
-              <a:spcBef>
-                <a:spcPts val="1000"/>
-              </a:spcBef>
-              <a:buFont typeface="Arial" panose="020B0604020202020204" pitchFamily="34" charset="0"/>
-              <a:buChar char="•"/>
-              <a:defRPr sz="2800" kern="1200">
-                <a:solidFill>
-                  <a:schemeClr val="tx1"/>
-                </a:solidFill>
-                <a:latin typeface="+mn-lt"/>
-                <a:ea typeface="+mn-ea"/>
-                <a:cs typeface="+mn-cs"/>
-              </a:defRPr>
-            </a:lvl1pPr>
-            <a:lvl2pPr marL="685800" indent="-228600" algn="l" defTabSz="914400" rtl="0" eaLnBrk="1" latinLnBrk="1" hangingPunct="1">
-              <a:lnSpc>
-                <a:spcPct val="90000"/>
-              </a:lnSpc>
-              <a:spcBef>
-                <a:spcPts val="500"/>
-              </a:spcBef>
-              <a:buFont typeface="Arial" panose="020B0604020202020204" pitchFamily="34" charset="0"/>
-              <a:buChar char="•"/>
-              <a:defRPr sz="2400" kern="1200">
-                <a:solidFill>
-                  <a:schemeClr val="tx1"/>
-                </a:solidFill>
-                <a:latin typeface="+mn-lt"/>
-                <a:ea typeface="+mn-ea"/>
-                <a:cs typeface="+mn-cs"/>
-              </a:defRPr>
-            </a:lvl2pPr>
-            <a:lvl3pPr marL="1143000" indent="-228600" algn="l" defTabSz="914400" rtl="0" eaLnBrk="1" latinLnBrk="1" hangingPunct="1">
-              <a:lnSpc>
-                <a:spcPct val="90000"/>
-              </a:lnSpc>
-              <a:spcBef>
-                <a:spcPts val="500"/>
-              </a:spcBef>
-              <a:buFont typeface="Arial" panose="020B0604020202020204" pitchFamily="34" charset="0"/>
-              <a:buChar char="•"/>
-              <a:defRPr sz="2000" kern="1200">
-                <a:solidFill>
-                  <a:schemeClr val="tx1"/>
-                </a:solidFill>
-                <a:latin typeface="+mn-lt"/>
-                <a:ea typeface="+mn-ea"/>
-                <a:cs typeface="+mn-cs"/>
-              </a:defRPr>
-            </a:lvl3pPr>
-            <a:lvl4pPr marL="1600200" indent="-228600" algn="l" defTabSz="914400" rtl="0" eaLnBrk="1" latinLnBrk="1" hangingPunct="1">
-              <a:lnSpc>
-                <a:spcPct val="90000"/>
-              </a:lnSpc>
-              <a:spcBef>
-                <a:spcPts val="500"/>
-              </a:spcBef>
-              <a:buFont typeface="Arial" panose="020B0604020202020204" pitchFamily="34" charset="0"/>
-              <a:buChar char="•"/>
-              <a:defRPr sz="1800" kern="1200">
-                <a:solidFill>
-                  <a:schemeClr val="tx1"/>
-                </a:solidFill>
-                <a:latin typeface="+mn-lt"/>
-                <a:ea typeface="+mn-ea"/>
-                <a:cs typeface="+mn-cs"/>
-              </a:defRPr>
-            </a:lvl4pPr>
-            <a:lvl5pPr marL="2057400" indent="-228600" algn="l" defTabSz="914400" rtl="0" eaLnBrk="1" latinLnBrk="1" hangingPunct="1">
-              <a:lnSpc>
-                <a:spcPct val="90000"/>
-              </a:lnSpc>
-              <a:spcBef>
-                <a:spcPts val="500"/>
-              </a:spcBef>
-              <a:buFont typeface="Arial" panose="020B0604020202020204" pitchFamily="34" charset="0"/>
-              <a:buChar char="•"/>
-              <a:defRPr sz="1800" kern="1200">
-                <a:solidFill>
-                  <a:schemeClr val="tx1"/>
-                </a:solidFill>
-                <a:latin typeface="+mn-lt"/>
-                <a:ea typeface="+mn-ea"/>
-                <a:cs typeface="+mn-cs"/>
-              </a:defRPr>
-            </a:lvl5pPr>
-            <a:lvl6pPr marL="2514600" indent="-228600" algn="l" defTabSz="914400" rtl="0" eaLnBrk="1" latinLnBrk="1" hangingPunct="1">
-              <a:lnSpc>
-                <a:spcPct val="90000"/>
-              </a:lnSpc>
-              <a:spcBef>
-                <a:spcPts val="500"/>
-              </a:spcBef>
-              <a:buFont typeface="Arial" panose="020B0604020202020204" pitchFamily="34" charset="0"/>
-              <a:buChar char="•"/>
-              <a:defRPr sz="1800" kern="1200">
-                <a:solidFill>
-                  <a:schemeClr val="tx1"/>
-                </a:solidFill>
-                <a:latin typeface="+mn-lt"/>
-                <a:ea typeface="+mn-ea"/>
-                <a:cs typeface="+mn-cs"/>
-              </a:defRPr>
-            </a:lvl6pPr>
-            <a:lvl7pPr marL="2971800" indent="-228600" algn="l" defTabSz="914400" rtl="0" eaLnBrk="1" latinLnBrk="1" hangingPunct="1">
-              <a:lnSpc>
-                <a:spcPct val="90000"/>
-              </a:lnSpc>
-              <a:spcBef>
-                <a:spcPts val="500"/>
-              </a:spcBef>
-              <a:buFont typeface="Arial" panose="020B0604020202020204" pitchFamily="34" charset="0"/>
-              <a:buChar char="•"/>
-              <a:defRPr sz="1800" kern="1200">
-                <a:solidFill>
-                  <a:schemeClr val="tx1"/>
-                </a:solidFill>
-                <a:latin typeface="+mn-lt"/>
-                <a:ea typeface="+mn-ea"/>
-                <a:cs typeface="+mn-cs"/>
-              </a:defRPr>
-            </a:lvl7pPr>
-            <a:lvl8pPr marL="3429000" indent="-228600" algn="l" defTabSz="914400" rtl="0" eaLnBrk="1" latinLnBrk="1" hangingPunct="1">
-              <a:lnSpc>
-                <a:spcPct val="90000"/>
-              </a:lnSpc>
-              <a:spcBef>
-                <a:spcPts val="500"/>
-              </a:spcBef>
-              <a:buFont typeface="Arial" panose="020B0604020202020204" pitchFamily="34" charset="0"/>
-              <a:buChar char="•"/>
-              <a:defRPr sz="1800" kern="1200">
-                <a:solidFill>
-                  <a:schemeClr val="tx1"/>
-                </a:solidFill>
-                <a:latin typeface="+mn-lt"/>
-                <a:ea typeface="+mn-ea"/>
-                <a:cs typeface="+mn-cs"/>
-              </a:defRPr>
-            </a:lvl8pPr>
-            <a:lvl9pPr marL="3886200" indent="-228600" algn="l" defTabSz="914400" rtl="0" eaLnBrk="1" latinLnBrk="1" hangingPunct="1">
-              <a:lnSpc>
-                <a:spcPct val="90000"/>
-              </a:lnSpc>
-              <a:spcBef>
-                <a:spcPts val="500"/>
-              </a:spcBef>
-              <a:buFont typeface="Arial" panose="020B0604020202020204" pitchFamily="34" charset="0"/>
-              <a:buChar char="•"/>
-              <a:defRPr sz="1800" kern="1200">
-                <a:solidFill>
-                  <a:schemeClr val="tx1"/>
-                </a:solidFill>
-                <a:latin typeface="+mn-lt"/>
-                <a:ea typeface="+mn-ea"/>
-                <a:cs typeface="+mn-cs"/>
-              </a:defRPr>
-            </a:lvl9pPr>
-          </a:lstStyle>
-          <a:p>
-            <a:pPr marL="0" indent="0" algn="ctr">
-              <a:lnSpc>
-                <a:spcPct val="100000"/>
-              </a:lnSpc>
-              <a:buNone/>
-            </a:pPr>
-            <a:r>
-              <a:rPr lang="ko-KR" altLang="en-US" sz="1600" b="1" dirty="0">
-                <a:solidFill>
-                  <a:schemeClr val="tx1">
-                    <a:lumMod val="75000"/>
-                    <a:lumOff val="25000"/>
-                  </a:schemeClr>
-                </a:solidFill>
-                <a:latin typeface="맑은 고딕" panose="020B0503020000020004" pitchFamily="50" charset="-127"/>
-                <a:ea typeface="맑은 고딕" panose="020B0503020000020004" pitchFamily="50" charset="-127"/>
-              </a:rPr>
-              <a:t>정제된 데이터를 </a:t>
-            </a:r>
-            <a:r>
-              <a:rPr lang="en-US" altLang="ko-KR" sz="1600" b="1" dirty="0">
-                <a:solidFill>
-                  <a:schemeClr val="tx1">
-                    <a:lumMod val="75000"/>
-                    <a:lumOff val="25000"/>
-                  </a:schemeClr>
-                </a:solidFill>
-                <a:latin typeface="맑은 고딕" panose="020B0503020000020004" pitchFamily="50" charset="-127"/>
-                <a:ea typeface="맑은 고딕" panose="020B0503020000020004" pitchFamily="50" charset="-127"/>
-              </a:rPr>
-              <a:t>R</a:t>
-            </a:r>
-            <a:r>
-              <a:rPr lang="ko-KR" altLang="en-US" sz="1600" b="1" dirty="0">
-                <a:solidFill>
-                  <a:schemeClr val="tx1">
-                    <a:lumMod val="75000"/>
-                    <a:lumOff val="25000"/>
-                  </a:schemeClr>
-                </a:solidFill>
-                <a:latin typeface="맑은 고딕" panose="020B0503020000020004" pitchFamily="50" charset="-127"/>
-                <a:ea typeface="맑은 고딕" panose="020B0503020000020004" pitchFamily="50" charset="-127"/>
-              </a:rPr>
-              <a:t>을 이용하여 분석 및 시각화</a:t>
-            </a:r>
-            <a:endParaRPr lang="en-US" altLang="ko-KR" sz="1600" b="1" dirty="0">
-              <a:solidFill>
-                <a:schemeClr val="tx1">
-                  <a:lumMod val="75000"/>
-                  <a:lumOff val="25000"/>
-                </a:schemeClr>
-              </a:solidFill>
-              <a:latin typeface="맑은 고딕" panose="020B0503020000020004" pitchFamily="50" charset="-127"/>
-              <a:ea typeface="맑은 고딕" panose="020B0503020000020004" pitchFamily="50" charset="-127"/>
-            </a:endParaRPr>
-          </a:p>
-        </p:txBody>
-      </p:sp>
-      <p:sp>
-        <p:nvSpPr>
-          <p:cNvPr id="20" name="텍스트 개체 틀 2">
-            <a:extLst>
-              <a:ext uri="{FF2B5EF4-FFF2-40B4-BE49-F238E27FC236}">
-                <a16:creationId xmlns:a16="http://schemas.microsoft.com/office/drawing/2014/main" id="{27181E0D-1C81-427B-9677-37CE7B03D4B8}"/>
-              </a:ext>
-            </a:extLst>
-          </p:cNvPr>
-          <p:cNvSpPr txBox="1">
-            <a:spLocks/>
-          </p:cNvSpPr>
-          <p:nvPr/>
-        </p:nvSpPr>
-        <p:spPr>
-          <a:xfrm>
-            <a:off x="6593148" y="2554329"/>
-            <a:ext cx="5240785" cy="795930"/>
-          </a:xfrm>
-          <a:prstGeom prst="rect">
-            <a:avLst/>
-          </a:prstGeom>
-        </p:spPr>
-        <p:txBody>
-          <a:bodyPr/>
-          <a:lstStyle>
-            <a:lvl1pPr marL="228600" indent="-228600" algn="l" defTabSz="914400" rtl="0" eaLnBrk="1" latinLnBrk="1" hangingPunct="1">
-              <a:lnSpc>
-                <a:spcPct val="90000"/>
-              </a:lnSpc>
-              <a:spcBef>
-                <a:spcPts val="1000"/>
-              </a:spcBef>
-              <a:buFont typeface="Arial" panose="020B0604020202020204" pitchFamily="34" charset="0"/>
-              <a:buChar char="•"/>
-              <a:defRPr sz="2800" kern="1200">
-                <a:solidFill>
-                  <a:schemeClr val="tx1"/>
-                </a:solidFill>
-                <a:latin typeface="+mn-lt"/>
-                <a:ea typeface="+mn-ea"/>
-                <a:cs typeface="+mn-cs"/>
-              </a:defRPr>
-            </a:lvl1pPr>
-            <a:lvl2pPr marL="685800" indent="-228600" algn="l" defTabSz="914400" rtl="0" eaLnBrk="1" latinLnBrk="1" hangingPunct="1">
-              <a:lnSpc>
-                <a:spcPct val="90000"/>
-              </a:lnSpc>
-              <a:spcBef>
-                <a:spcPts val="500"/>
-              </a:spcBef>
-              <a:buFont typeface="Arial" panose="020B0604020202020204" pitchFamily="34" charset="0"/>
-              <a:buChar char="•"/>
-              <a:defRPr sz="2400" kern="1200">
-                <a:solidFill>
-                  <a:schemeClr val="tx1"/>
-                </a:solidFill>
-                <a:latin typeface="+mn-lt"/>
-                <a:ea typeface="+mn-ea"/>
-                <a:cs typeface="+mn-cs"/>
-              </a:defRPr>
-            </a:lvl2pPr>
-            <a:lvl3pPr marL="1143000" indent="-228600" algn="l" defTabSz="914400" rtl="0" eaLnBrk="1" latinLnBrk="1" hangingPunct="1">
-              <a:lnSpc>
-                <a:spcPct val="90000"/>
-              </a:lnSpc>
-              <a:spcBef>
-                <a:spcPts val="500"/>
-              </a:spcBef>
-              <a:buFont typeface="Arial" panose="020B0604020202020204" pitchFamily="34" charset="0"/>
-              <a:buChar char="•"/>
-              <a:defRPr sz="2000" kern="1200">
-                <a:solidFill>
-                  <a:schemeClr val="tx1"/>
-                </a:solidFill>
-                <a:latin typeface="+mn-lt"/>
-                <a:ea typeface="+mn-ea"/>
-                <a:cs typeface="+mn-cs"/>
-              </a:defRPr>
-            </a:lvl3pPr>
-            <a:lvl4pPr marL="1600200" indent="-228600" algn="l" defTabSz="914400" rtl="0" eaLnBrk="1" latinLnBrk="1" hangingPunct="1">
-              <a:lnSpc>
-                <a:spcPct val="90000"/>
-              </a:lnSpc>
-              <a:spcBef>
-                <a:spcPts val="500"/>
-              </a:spcBef>
-              <a:buFont typeface="Arial" panose="020B0604020202020204" pitchFamily="34" charset="0"/>
-              <a:buChar char="•"/>
-              <a:defRPr sz="1800" kern="1200">
-                <a:solidFill>
-                  <a:schemeClr val="tx1"/>
-                </a:solidFill>
-                <a:latin typeface="+mn-lt"/>
-                <a:ea typeface="+mn-ea"/>
-                <a:cs typeface="+mn-cs"/>
-              </a:defRPr>
-            </a:lvl4pPr>
-            <a:lvl5pPr marL="2057400" indent="-228600" algn="l" defTabSz="914400" rtl="0" eaLnBrk="1" latinLnBrk="1" hangingPunct="1">
-              <a:lnSpc>
-                <a:spcPct val="90000"/>
-              </a:lnSpc>
-              <a:spcBef>
-                <a:spcPts val="500"/>
-              </a:spcBef>
-              <a:buFont typeface="Arial" panose="020B0604020202020204" pitchFamily="34" charset="0"/>
-              <a:buChar char="•"/>
-              <a:defRPr sz="1800" kern="1200">
-                <a:solidFill>
-                  <a:schemeClr val="tx1"/>
-                </a:solidFill>
-                <a:latin typeface="+mn-lt"/>
-                <a:ea typeface="+mn-ea"/>
-                <a:cs typeface="+mn-cs"/>
-              </a:defRPr>
-            </a:lvl5pPr>
-            <a:lvl6pPr marL="2514600" indent="-228600" algn="l" defTabSz="914400" rtl="0" eaLnBrk="1" latinLnBrk="1" hangingPunct="1">
-              <a:lnSpc>
-                <a:spcPct val="90000"/>
-              </a:lnSpc>
-              <a:spcBef>
-                <a:spcPts val="500"/>
-              </a:spcBef>
-              <a:buFont typeface="Arial" panose="020B0604020202020204" pitchFamily="34" charset="0"/>
-              <a:buChar char="•"/>
-              <a:defRPr sz="1800" kern="1200">
-                <a:solidFill>
-                  <a:schemeClr val="tx1"/>
-                </a:solidFill>
-                <a:latin typeface="+mn-lt"/>
-                <a:ea typeface="+mn-ea"/>
-                <a:cs typeface="+mn-cs"/>
-              </a:defRPr>
-            </a:lvl6pPr>
-            <a:lvl7pPr marL="2971800" indent="-228600" algn="l" defTabSz="914400" rtl="0" eaLnBrk="1" latinLnBrk="1" hangingPunct="1">
-              <a:lnSpc>
-                <a:spcPct val="90000"/>
-              </a:lnSpc>
-              <a:spcBef>
-                <a:spcPts val="500"/>
-              </a:spcBef>
-              <a:buFont typeface="Arial" panose="020B0604020202020204" pitchFamily="34" charset="0"/>
-              <a:buChar char="•"/>
-              <a:defRPr sz="1800" kern="1200">
-                <a:solidFill>
-                  <a:schemeClr val="tx1"/>
-                </a:solidFill>
-                <a:latin typeface="+mn-lt"/>
-                <a:ea typeface="+mn-ea"/>
-                <a:cs typeface="+mn-cs"/>
-              </a:defRPr>
-            </a:lvl7pPr>
-            <a:lvl8pPr marL="3429000" indent="-228600" algn="l" defTabSz="914400" rtl="0" eaLnBrk="1" latinLnBrk="1" hangingPunct="1">
-              <a:lnSpc>
-                <a:spcPct val="90000"/>
-              </a:lnSpc>
-              <a:spcBef>
-                <a:spcPts val="500"/>
-              </a:spcBef>
-              <a:buFont typeface="Arial" panose="020B0604020202020204" pitchFamily="34" charset="0"/>
-              <a:buChar char="•"/>
-              <a:defRPr sz="1800" kern="1200">
-                <a:solidFill>
-                  <a:schemeClr val="tx1"/>
-                </a:solidFill>
-                <a:latin typeface="+mn-lt"/>
-                <a:ea typeface="+mn-ea"/>
-                <a:cs typeface="+mn-cs"/>
-              </a:defRPr>
-            </a:lvl8pPr>
-            <a:lvl9pPr marL="3886200" indent="-228600" algn="l" defTabSz="914400" rtl="0" eaLnBrk="1" latinLnBrk="1" hangingPunct="1">
-              <a:lnSpc>
-                <a:spcPct val="90000"/>
-              </a:lnSpc>
-              <a:spcBef>
-                <a:spcPts val="500"/>
-              </a:spcBef>
-              <a:buFont typeface="Arial" panose="020B0604020202020204" pitchFamily="34" charset="0"/>
-              <a:buChar char="•"/>
-              <a:defRPr sz="1800" kern="1200">
-                <a:solidFill>
-                  <a:schemeClr val="tx1"/>
-                </a:solidFill>
-                <a:latin typeface="+mn-lt"/>
-                <a:ea typeface="+mn-ea"/>
-                <a:cs typeface="+mn-cs"/>
-              </a:defRPr>
-            </a:lvl9pPr>
-          </a:lstStyle>
-          <a:p>
-            <a:pPr marL="0" indent="0" algn="ctr">
-              <a:lnSpc>
-                <a:spcPct val="100000"/>
-              </a:lnSpc>
-              <a:buNone/>
-            </a:pPr>
-            <a:r>
-              <a:rPr lang="ko-KR" altLang="en-US" sz="1600" b="1" dirty="0">
-                <a:solidFill>
-                  <a:schemeClr val="tx1">
-                    <a:lumMod val="75000"/>
-                    <a:lumOff val="25000"/>
-                  </a:schemeClr>
-                </a:solidFill>
-                <a:latin typeface="맑은 고딕" panose="020B0503020000020004" pitchFamily="50" charset="-127"/>
-                <a:ea typeface="맑은 고딕" panose="020B0503020000020004" pitchFamily="50" charset="-127"/>
-              </a:rPr>
-              <a:t>분석 및 시각화한 데이터를 어플리케이션으로 전송</a:t>
-            </a:r>
-            <a:endParaRPr lang="en-US" altLang="ko-KR" sz="1200" dirty="0">
-              <a:solidFill>
-                <a:schemeClr val="tx1">
-                  <a:lumMod val="75000"/>
-                  <a:lumOff val="25000"/>
-                </a:schemeClr>
-              </a:solidFill>
-              <a:latin typeface="맑은 고딕" panose="020B0503020000020004" pitchFamily="50" charset="-127"/>
-              <a:ea typeface="맑은 고딕" panose="020B0503020000020004" pitchFamily="50" charset="-127"/>
-            </a:endParaRPr>
-          </a:p>
-        </p:txBody>
-      </p:sp>
-      <p:cxnSp>
-        <p:nvCxnSpPr>
-          <p:cNvPr id="18" name="연결선: 꺾임 17">
-            <a:extLst>
-              <a:ext uri="{FF2B5EF4-FFF2-40B4-BE49-F238E27FC236}">
-                <a16:creationId xmlns:a16="http://schemas.microsoft.com/office/drawing/2014/main" id="{C94D397B-5D45-40DC-BD6C-53E148A444B2}"/>
-              </a:ext>
-            </a:extLst>
-          </p:cNvPr>
-          <p:cNvCxnSpPr>
-            <a:cxnSpLocks/>
-          </p:cNvCxnSpPr>
-          <p:nvPr/>
-        </p:nvCxnSpPr>
-        <p:spPr>
-          <a:xfrm rot="10800000" flipV="1">
-            <a:off x="5504155" y="3062796"/>
-            <a:ext cx="2920754" cy="613094"/>
-          </a:xfrm>
-          <a:prstGeom prst="bentConnector3">
-            <a:avLst>
-              <a:gd name="adj1" fmla="val -152"/>
-            </a:avLst>
-          </a:prstGeom>
-          <a:ln w="57150">
-            <a:solidFill>
-              <a:srgbClr val="FF0000"/>
-            </a:solidFill>
-            <a:tailEnd type="triangle"/>
-          </a:ln>
-        </p:spPr>
-        <p:style>
-          <a:lnRef idx="1">
-            <a:schemeClr val="accent1"/>
-          </a:lnRef>
-          <a:fillRef idx="0">
-            <a:schemeClr val="accent1"/>
-          </a:fillRef>
-          <a:effectRef idx="0">
-            <a:schemeClr val="accent1"/>
-          </a:effectRef>
-          <a:fontRef idx="minor">
-            <a:schemeClr val="tx1"/>
-          </a:fontRef>
-        </p:style>
-      </p:cxnSp>
-      <p:sp>
-        <p:nvSpPr>
           <p:cNvPr id="2" name="슬라이드 번호 개체 틀 1">
             <a:extLst>
               <a:ext uri="{FF2B5EF4-FFF2-40B4-BE49-F238E27FC236}">
@@ -19526,52 +19756,170 @@
           </a:prstGeom>
         </p:spPr>
       </p:pic>
-      <p:cxnSp>
-        <p:nvCxnSpPr>
-          <p:cNvPr id="11" name="연결선: 꺾임 10">
+      <p:sp>
+        <p:nvSpPr>
+          <p:cNvPr id="10" name="말풍선: 사각형 9">
             <a:extLst>
               <a:ext uri="{FF2B5EF4-FFF2-40B4-BE49-F238E27FC236}">
-                <a16:creationId xmlns:a16="http://schemas.microsoft.com/office/drawing/2014/main" id="{454849DA-E3F6-4BDB-960D-AA6302255840}"/>
+                <a16:creationId xmlns:a16="http://schemas.microsoft.com/office/drawing/2014/main" id="{1C2F1AFA-A9DA-4E37-BEA9-319664BD6910}"/>
               </a:ext>
             </a:extLst>
           </p:cNvPr>
-          <p:cNvCxnSpPr>
-            <a:cxnSpLocks/>
-          </p:cNvCxnSpPr>
+          <p:cNvSpPr/>
           <p:nvPr/>
-        </p:nvCxnSpPr>
+        </p:nvSpPr>
         <p:spPr>
           <a:xfrm>
-            <a:off x="1569027" y="4327079"/>
-            <a:ext cx="5024122" cy="973961"/>
+            <a:off x="1799411" y="5577458"/>
+            <a:ext cx="8093884" cy="795930"/>
           </a:xfrm>
-          <a:prstGeom prst="bentConnector3">
+          <a:prstGeom prst="wedgeRectCallout">
             <a:avLst>
-              <a:gd name="adj1" fmla="val -51"/>
+              <a:gd name="adj1" fmla="val -50603"/>
+              <a:gd name="adj2" fmla="val -221540"/>
             </a:avLst>
           </a:prstGeom>
-          <a:ln w="57150">
-            <a:solidFill>
-              <a:srgbClr val="FF0000"/>
-            </a:solidFill>
-            <a:tailEnd type="triangle"/>
-          </a:ln>
         </p:spPr>
         <p:style>
-          <a:lnRef idx="1">
-            <a:schemeClr val="accent1"/>
+          <a:lnRef idx="2">
+            <a:schemeClr val="dk1"/>
           </a:lnRef>
-          <a:fillRef idx="0">
-            <a:schemeClr val="accent1"/>
+          <a:fillRef idx="1">
+            <a:schemeClr val="lt1"/>
           </a:fillRef>
           <a:effectRef idx="0">
-            <a:schemeClr val="accent1"/>
+            <a:schemeClr val="dk1"/>
           </a:effectRef>
           <a:fontRef idx="minor">
-            <a:schemeClr val="tx1"/>
+            <a:schemeClr val="dk1"/>
           </a:fontRef>
         </p:style>
-      </p:cxnSp>
+        <p:txBody>
+          <a:bodyPr rtlCol="0" anchor="ctr"/>
+          <a:lstStyle/>
+          <a:p>
+            <a:pPr algn="ctr"/>
+            <a:r>
+              <a:rPr lang="ko-KR" altLang="en-US" b="1" dirty="0">
+                <a:solidFill>
+                  <a:schemeClr val="tx1">
+                    <a:lumMod val="75000"/>
+                    <a:lumOff val="25000"/>
+                  </a:schemeClr>
+                </a:solidFill>
+                <a:latin typeface="맑은 고딕" panose="020B0503020000020004" pitchFamily="50" charset="-127"/>
+                <a:ea typeface="맑은 고딕" panose="020B0503020000020004" pitchFamily="50" charset="-127"/>
+              </a:rPr>
+              <a:t>정제된 데이터를 </a:t>
+            </a:r>
+            <a:r>
+              <a:rPr lang="en-US" altLang="ko-KR" b="1" dirty="0">
+                <a:solidFill>
+                  <a:schemeClr val="tx1">
+                    <a:lumMod val="75000"/>
+                    <a:lumOff val="25000"/>
+                  </a:schemeClr>
+                </a:solidFill>
+                <a:latin typeface="맑은 고딕" panose="020B0503020000020004" pitchFamily="50" charset="-127"/>
+                <a:ea typeface="맑은 고딕" panose="020B0503020000020004" pitchFamily="50" charset="-127"/>
+              </a:rPr>
+              <a:t>R</a:t>
+            </a:r>
+            <a:r>
+              <a:rPr lang="ko-KR" altLang="en-US" b="1" dirty="0">
+                <a:solidFill>
+                  <a:schemeClr val="tx1">
+                    <a:lumMod val="75000"/>
+                    <a:lumOff val="25000"/>
+                  </a:schemeClr>
+                </a:solidFill>
+                <a:latin typeface="맑은 고딕" panose="020B0503020000020004" pitchFamily="50" charset="-127"/>
+                <a:ea typeface="맑은 고딕" panose="020B0503020000020004" pitchFamily="50" charset="-127"/>
+              </a:rPr>
+              <a:t>을 이용하여 분석 및 시각화</a:t>
+            </a:r>
+            <a:endParaRPr lang="en-US" altLang="ko-KR" b="1" dirty="0">
+              <a:solidFill>
+                <a:schemeClr val="tx1">
+                  <a:lumMod val="75000"/>
+                  <a:lumOff val="25000"/>
+                </a:schemeClr>
+              </a:solidFill>
+              <a:latin typeface="맑은 고딕" panose="020B0503020000020004" pitchFamily="50" charset="-127"/>
+              <a:ea typeface="맑은 고딕" panose="020B0503020000020004" pitchFamily="50" charset="-127"/>
+            </a:endParaRPr>
+          </a:p>
+        </p:txBody>
+      </p:sp>
+      <p:sp>
+        <p:nvSpPr>
+          <p:cNvPr id="12" name="말풍선: 사각형 11">
+            <a:extLst>
+              <a:ext uri="{FF2B5EF4-FFF2-40B4-BE49-F238E27FC236}">
+                <a16:creationId xmlns:a16="http://schemas.microsoft.com/office/drawing/2014/main" id="{57EE7A40-FCEE-405C-A9F4-38160E9F107F}"/>
+              </a:ext>
+            </a:extLst>
+          </p:cNvPr>
+          <p:cNvSpPr/>
+          <p:nvPr/>
+        </p:nvSpPr>
+        <p:spPr>
+          <a:xfrm>
+            <a:off x="6292166" y="2274565"/>
+            <a:ext cx="5579153" cy="675606"/>
+          </a:xfrm>
+          <a:prstGeom prst="wedgeRectCallout">
+            <a:avLst>
+              <a:gd name="adj1" fmla="val -61689"/>
+              <a:gd name="adj2" fmla="val 127435"/>
+            </a:avLst>
+          </a:prstGeom>
+        </p:spPr>
+        <p:style>
+          <a:lnRef idx="2">
+            <a:schemeClr val="dk1"/>
+          </a:lnRef>
+          <a:fillRef idx="1">
+            <a:schemeClr val="lt1"/>
+          </a:fillRef>
+          <a:effectRef idx="0">
+            <a:schemeClr val="dk1"/>
+          </a:effectRef>
+          <a:fontRef idx="minor">
+            <a:schemeClr val="dk1"/>
+          </a:fontRef>
+        </p:style>
+        <p:txBody>
+          <a:bodyPr rtlCol="0" anchor="ctr"/>
+          <a:lstStyle/>
+          <a:p>
+            <a:pPr algn="ctr"/>
+            <a:r>
+              <a:rPr lang="ko-KR" altLang="en-US" b="1" dirty="0">
+                <a:solidFill>
+                  <a:schemeClr val="tx1">
+                    <a:lumMod val="75000"/>
+                    <a:lumOff val="25000"/>
+                  </a:schemeClr>
+                </a:solidFill>
+                <a:latin typeface="맑은 고딕" panose="020B0503020000020004" pitchFamily="50" charset="-127"/>
+                <a:ea typeface="맑은 고딕" panose="020B0503020000020004" pitchFamily="50" charset="-127"/>
+              </a:rPr>
+              <a:t>분석 및 시각화한 데이터를 어플리케이션으로 전송</a:t>
+            </a:r>
+            <a:endParaRPr lang="en-US" altLang="ko-KR" sz="1400" dirty="0">
+              <a:solidFill>
+                <a:schemeClr val="tx1">
+                  <a:lumMod val="75000"/>
+                  <a:lumOff val="25000"/>
+                </a:schemeClr>
+              </a:solidFill>
+              <a:latin typeface="맑은 고딕" panose="020B0503020000020004" pitchFamily="50" charset="-127"/>
+              <a:ea typeface="맑은 고딕" panose="020B0503020000020004" pitchFamily="50" charset="-127"/>
+            </a:endParaRPr>
+          </a:p>
+        </p:txBody>
+      </p:sp>
     </p:spTree>
     <p:extLst>
       <p:ext uri="{BB962C8B-B14F-4D97-AF65-F5344CB8AC3E}">
@@ -19629,21 +19977,39 @@
                                   </p:childTnLst>
                                 </p:cTn>
                               </p:par>
+                            </p:childTnLst>
+                          </p:cTn>
+                        </p:par>
+                      </p:childTnLst>
+                    </p:cTn>
+                  </p:par>
+                  <p:par>
+                    <p:cTn id="7" fill="hold">
+                      <p:stCondLst>
+                        <p:cond delay="indefinite"/>
+                      </p:stCondLst>
+                      <p:childTnLst>
+                        <p:par>
+                          <p:cTn id="8" fill="hold">
+                            <p:stCondLst>
+                              <p:cond delay="0"/>
+                            </p:stCondLst>
+                            <p:childTnLst>
                               <p:par>
-                                <p:cTn id="7" presetID="1" presetClass="entr" presetSubtype="0" fill="hold" nodeType="withEffect">
+                                <p:cTn id="9" presetID="1" presetClass="entr" presetSubtype="0" fill="hold" grpId="0" nodeType="clickEffect">
                                   <p:stCondLst>
                                     <p:cond delay="0"/>
                                   </p:stCondLst>
                                   <p:childTnLst>
                                     <p:set>
                                       <p:cBhvr>
-                                        <p:cTn id="8" dur="1" fill="hold">
+                                        <p:cTn id="10" dur="1" fill="hold">
                                           <p:stCondLst>
                                             <p:cond delay="0"/>
                                           </p:stCondLst>
                                         </p:cTn>
                                         <p:tgtEl>
-                                          <p:spTgt spid="11"/>
+                                          <p:spTgt spid="10"/>
                                         </p:tgtEl>
                                         <p:attrNameLst>
                                           <p:attrName>style.visibility</p:attrName>
@@ -19656,62 +20022,26 @@
                                   </p:childTnLst>
                                 </p:cTn>
                               </p:par>
+                            </p:childTnLst>
+                          </p:cTn>
+                        </p:par>
+                      </p:childTnLst>
+                    </p:cTn>
+                  </p:par>
+                  <p:par>
+                    <p:cTn id="11" fill="hold">
+                      <p:stCondLst>
+                        <p:cond delay="indefinite"/>
+                      </p:stCondLst>
+                      <p:childTnLst>
+                        <p:par>
+                          <p:cTn id="12" fill="hold">
+                            <p:stCondLst>
+                              <p:cond delay="0"/>
+                            </p:stCondLst>
+                            <p:childTnLst>
                               <p:par>
-                                <p:cTn id="9" presetID="1" presetClass="entr" presetSubtype="0" fill="hold" grpId="0" nodeType="withEffect">
-                                  <p:stCondLst>
-                                    <p:cond delay="0"/>
-                                  </p:stCondLst>
-                                  <p:childTnLst>
-                                    <p:set>
-                                      <p:cBhvr>
-                                        <p:cTn id="10" dur="1" fill="hold">
-                                          <p:stCondLst>
-                                            <p:cond delay="0"/>
-                                          </p:stCondLst>
-                                        </p:cTn>
-                                        <p:tgtEl>
-                                          <p:spTgt spid="19"/>
-                                        </p:tgtEl>
-                                        <p:attrNameLst>
-                                          <p:attrName>style.visibility</p:attrName>
-                                        </p:attrNameLst>
-                                      </p:cBhvr>
-                                      <p:to>
-                                        <p:strVal val="visible"/>
-                                      </p:to>
-                                    </p:set>
-                                  </p:childTnLst>
-                                </p:cTn>
-                              </p:par>
-                              <p:par>
-                                <p:cTn id="11" presetID="1" presetClass="entr" presetSubtype="0" fill="hold" grpId="0" nodeType="withEffect">
-                                  <p:stCondLst>
-                                    <p:cond delay="0"/>
-                                  </p:stCondLst>
-                                  <p:childTnLst>
-                                    <p:set>
-                                      <p:cBhvr>
-                                        <p:cTn id="12" dur="1" fill="hold">
-                                          <p:stCondLst>
-                                            <p:cond delay="0"/>
-                                          </p:stCondLst>
-                                        </p:cTn>
-                                        <p:tgtEl>
-                                          <p:spTgt spid="20"/>
-                                        </p:tgtEl>
-                                        <p:attrNameLst>
-                                          <p:attrName>style.visibility</p:attrName>
-                                        </p:attrNameLst>
-                                      </p:cBhvr>
-                                      <p:to>
-                                        <p:strVal val="visible"/>
-                                      </p:to>
-                                    </p:set>
-                                  </p:childTnLst>
-                                </p:cTn>
-                              </p:par>
-                              <p:par>
-                                <p:cTn id="13" presetID="1" presetClass="entr" presetSubtype="0" fill="hold" nodeType="withEffect">
+                                <p:cTn id="13" presetID="1" presetClass="entr" presetSubtype="0" fill="hold" grpId="0" nodeType="clickEffect">
                                   <p:stCondLst>
                                     <p:cond delay="0"/>
                                   </p:stCondLst>
@@ -19724,7 +20054,7 @@
                                           </p:stCondLst>
                                         </p:cTn>
                                         <p:tgtEl>
-                                          <p:spTgt spid="18"/>
+                                          <p:spTgt spid="12"/>
                                         </p:tgtEl>
                                         <p:attrNameLst>
                                           <p:attrName>style.visibility</p:attrName>
@@ -19765,8 +20095,8 @@
       </p:par>
     </p:tnLst>
     <p:bldLst>
-      <p:bldP spid="19" grpId="0"/>
-      <p:bldP spid="20" grpId="0"/>
+      <p:bldP spid="10" grpId="0" animBg="1"/>
+      <p:bldP spid="12" grpId="0" animBg="1"/>
     </p:bldLst>
   </p:timing>
 </p:sld>
